--- a/Figures/PowerPoint/spark-application.pptx
+++ b/Figures/PowerPoint/spark-application.pptx
@@ -104,6 +104,11 @@
       </a:defRPr>
     </a:lvl9pPr>
   </p:defaultTextStyle>
+  <p:extLst>
+    <p:ext uri="{EFAFB233-063F-42B5-8137-9DF3F51BA10A}">
+      <p15:sldGuideLst xmlns:p15="http://schemas.microsoft.com/office/powerpoint/2012/main"/>
+    </p:ext>
+  </p:extLst>
 </p:presentation>
 </file>
 
@@ -3321,3093 +3326,22 @@
           <a:chExt cx="0" cy="0"/>
         </a:xfrm>
       </p:grpSpPr>
-      <p:grpSp>
-        <p:nvGrpSpPr>
-          <p:cNvPr id="24" name="Agrupar 23">
-            <a:extLst>
-              <a:ext uri="{FF2B5EF4-FFF2-40B4-BE49-F238E27FC236}">
-                <a16:creationId xmlns:a16="http://schemas.microsoft.com/office/drawing/2014/main" id="{B8887F28-F6F2-02C2-AF5B-EC051B8CFE0C}"/>
-              </a:ext>
-            </a:extLst>
-          </p:cNvPr>
-          <p:cNvGrpSpPr/>
-          <p:nvPr/>
-        </p:nvGrpSpPr>
-        <p:grpSpPr>
-          <a:xfrm>
-            <a:off x="9909719" y="730976"/>
-            <a:ext cx="1113338" cy="1350180"/>
-            <a:chOff x="2794248" y="2496877"/>
-            <a:chExt cx="1263430" cy="1532201"/>
-          </a:xfrm>
-        </p:grpSpPr>
-        <p:sp>
-          <p:nvSpPr>
-            <p:cNvPr id="4" name="Retângulo 3">
-              <a:extLst>
-                <a:ext uri="{FF2B5EF4-FFF2-40B4-BE49-F238E27FC236}">
-                  <a16:creationId xmlns:a16="http://schemas.microsoft.com/office/drawing/2014/main" id="{C3820C23-92DE-0CF3-328D-A0380D36C40C}"/>
-                </a:ext>
-              </a:extLst>
-            </p:cNvPr>
-            <p:cNvSpPr/>
-            <p:nvPr/>
-          </p:nvSpPr>
-          <p:spPr>
-            <a:xfrm>
-              <a:off x="2860645" y="2496878"/>
-              <a:ext cx="1130637" cy="1532200"/>
-            </a:xfrm>
-            <a:prstGeom prst="rect">
-              <a:avLst/>
-            </a:prstGeom>
-            <a:solidFill>
-              <a:srgbClr val="132323"/>
-            </a:solidFill>
-            <a:ln>
-              <a:solidFill>
-                <a:srgbClr val="172B2B"/>
-              </a:solidFill>
-            </a:ln>
-          </p:spPr>
-          <p:style>
-            <a:lnRef idx="2">
-              <a:schemeClr val="accent1">
-                <a:shade val="50000"/>
-              </a:schemeClr>
-            </a:lnRef>
-            <a:fillRef idx="1">
-              <a:schemeClr val="accent1"/>
-            </a:fillRef>
-            <a:effectRef idx="0">
-              <a:schemeClr val="accent1"/>
-            </a:effectRef>
-            <a:fontRef idx="minor">
-              <a:schemeClr val="lt1"/>
-            </a:fontRef>
-          </p:style>
-          <p:txBody>
-            <a:bodyPr rtlCol="0" anchor="ctr"/>
-            <a:lstStyle/>
-            <a:p>
-              <a:pPr algn="r"/>
-              <a:endParaRPr lang="pt-BR"/>
-            </a:p>
-          </p:txBody>
-        </p:sp>
-        <p:sp>
-          <p:nvSpPr>
-            <p:cNvPr id="5" name="Retângulo 4">
-              <a:extLst>
-                <a:ext uri="{FF2B5EF4-FFF2-40B4-BE49-F238E27FC236}">
-                  <a16:creationId xmlns:a16="http://schemas.microsoft.com/office/drawing/2014/main" id="{04F77731-8AE3-0F84-A83C-D14DD8FA7B69}"/>
-                </a:ext>
-              </a:extLst>
-            </p:cNvPr>
-            <p:cNvSpPr/>
-            <p:nvPr/>
-          </p:nvSpPr>
-          <p:spPr>
-            <a:xfrm>
-              <a:off x="2794248" y="2496877"/>
-              <a:ext cx="1263430" cy="435769"/>
-            </a:xfrm>
-            <a:prstGeom prst="rect">
-              <a:avLst/>
-            </a:prstGeom>
-            <a:solidFill>
-              <a:srgbClr val="2C5352"/>
-            </a:solidFill>
-            <a:ln>
-              <a:solidFill>
-                <a:srgbClr val="2C5352"/>
-              </a:solidFill>
-            </a:ln>
-          </p:spPr>
-          <p:style>
-            <a:lnRef idx="2">
-              <a:schemeClr val="accent1">
-                <a:shade val="50000"/>
-              </a:schemeClr>
-            </a:lnRef>
-            <a:fillRef idx="1">
-              <a:schemeClr val="accent1"/>
-            </a:fillRef>
-            <a:effectRef idx="0">
-              <a:schemeClr val="accent1"/>
-            </a:effectRef>
-            <a:fontRef idx="minor">
-              <a:schemeClr val="lt1"/>
-            </a:fontRef>
-          </p:style>
-          <p:txBody>
-            <a:bodyPr rtlCol="0" anchor="ctr"/>
-            <a:lstStyle/>
-            <a:p>
-              <a:pPr algn="r"/>
-              <a:endParaRPr lang="pt-BR"/>
-            </a:p>
-          </p:txBody>
-        </p:sp>
-        <p:sp>
-          <p:nvSpPr>
-            <p:cNvPr id="9" name="Elipse 8">
-              <a:extLst>
-                <a:ext uri="{FF2B5EF4-FFF2-40B4-BE49-F238E27FC236}">
-                  <a16:creationId xmlns:a16="http://schemas.microsoft.com/office/drawing/2014/main" id="{64BB5F01-E515-7D74-711D-2AD11486F410}"/>
-                </a:ext>
-              </a:extLst>
-            </p:cNvPr>
-            <p:cNvSpPr/>
-            <p:nvPr/>
-          </p:nvSpPr>
-          <p:spPr>
-            <a:xfrm>
-              <a:off x="2870482" y="2683435"/>
-              <a:ext cx="45719" cy="46951"/>
-            </a:xfrm>
-            <a:prstGeom prst="ellipse">
-              <a:avLst/>
-            </a:prstGeom>
-            <a:solidFill>
-              <a:srgbClr val="FF3737"/>
-            </a:solidFill>
-            <a:ln>
-              <a:solidFill>
-                <a:srgbClr val="FF3737"/>
-              </a:solidFill>
-            </a:ln>
-          </p:spPr>
-          <p:style>
-            <a:lnRef idx="2">
-              <a:schemeClr val="accent1">
-                <a:shade val="50000"/>
-              </a:schemeClr>
-            </a:lnRef>
-            <a:fillRef idx="1">
-              <a:schemeClr val="accent1"/>
-            </a:fillRef>
-            <a:effectRef idx="0">
-              <a:schemeClr val="accent1"/>
-            </a:effectRef>
-            <a:fontRef idx="minor">
-              <a:schemeClr val="lt1"/>
-            </a:fontRef>
-          </p:style>
-          <p:txBody>
-            <a:bodyPr rtlCol="0" anchor="ctr"/>
-            <a:lstStyle/>
-            <a:p>
-              <a:pPr algn="r"/>
-              <a:endParaRPr lang="pt-BR"/>
-            </a:p>
-          </p:txBody>
-        </p:sp>
-        <p:sp>
-          <p:nvSpPr>
-            <p:cNvPr id="11" name="Retângulo 10">
-              <a:extLst>
-                <a:ext uri="{FF2B5EF4-FFF2-40B4-BE49-F238E27FC236}">
-                  <a16:creationId xmlns:a16="http://schemas.microsoft.com/office/drawing/2014/main" id="{D85A22A2-3DD9-37C8-7C77-5F4B401EFBEF}"/>
-                </a:ext>
-              </a:extLst>
-            </p:cNvPr>
-            <p:cNvSpPr/>
-            <p:nvPr/>
-          </p:nvSpPr>
-          <p:spPr>
-            <a:xfrm>
-              <a:off x="2794248" y="3045093"/>
-              <a:ext cx="1263430" cy="435768"/>
-            </a:xfrm>
-            <a:prstGeom prst="rect">
-              <a:avLst/>
-            </a:prstGeom>
-            <a:solidFill>
-              <a:srgbClr val="2C5352"/>
-            </a:solidFill>
-            <a:ln>
-              <a:solidFill>
-                <a:srgbClr val="2C5352"/>
-              </a:solidFill>
-            </a:ln>
-          </p:spPr>
-          <p:style>
-            <a:lnRef idx="2">
-              <a:schemeClr val="accent1">
-                <a:shade val="50000"/>
-              </a:schemeClr>
-            </a:lnRef>
-            <a:fillRef idx="1">
-              <a:schemeClr val="accent1"/>
-            </a:fillRef>
-            <a:effectRef idx="0">
-              <a:schemeClr val="accent1"/>
-            </a:effectRef>
-            <a:fontRef idx="minor">
-              <a:schemeClr val="lt1"/>
-            </a:fontRef>
-          </p:style>
-          <p:txBody>
-            <a:bodyPr rtlCol="0" anchor="ctr"/>
-            <a:lstStyle/>
-            <a:p>
-              <a:pPr algn="r"/>
-              <a:endParaRPr lang="pt-BR"/>
-            </a:p>
-          </p:txBody>
-        </p:sp>
-        <p:sp>
-          <p:nvSpPr>
-            <p:cNvPr id="12" name="Retângulo 11">
-              <a:extLst>
-                <a:ext uri="{FF2B5EF4-FFF2-40B4-BE49-F238E27FC236}">
-                  <a16:creationId xmlns:a16="http://schemas.microsoft.com/office/drawing/2014/main" id="{121B0BE3-9E27-451B-EF14-2E657924D94A}"/>
-                </a:ext>
-              </a:extLst>
-            </p:cNvPr>
-            <p:cNvSpPr/>
-            <p:nvPr/>
-          </p:nvSpPr>
-          <p:spPr>
-            <a:xfrm>
-              <a:off x="2794248" y="3593309"/>
-              <a:ext cx="1263430" cy="435769"/>
-            </a:xfrm>
-            <a:prstGeom prst="rect">
-              <a:avLst/>
-            </a:prstGeom>
-            <a:solidFill>
-              <a:srgbClr val="2C5352"/>
-            </a:solidFill>
-            <a:ln>
-              <a:solidFill>
-                <a:srgbClr val="2C5352"/>
-              </a:solidFill>
-            </a:ln>
-          </p:spPr>
-          <p:style>
-            <a:lnRef idx="2">
-              <a:schemeClr val="accent1">
-                <a:shade val="50000"/>
-              </a:schemeClr>
-            </a:lnRef>
-            <a:fillRef idx="1">
-              <a:schemeClr val="accent1"/>
-            </a:fillRef>
-            <a:effectRef idx="0">
-              <a:schemeClr val="accent1"/>
-            </a:effectRef>
-            <a:fontRef idx="minor">
-              <a:schemeClr val="lt1"/>
-            </a:fontRef>
-          </p:style>
-          <p:txBody>
-            <a:bodyPr rtlCol="0" anchor="ctr"/>
-            <a:lstStyle/>
-            <a:p>
-              <a:pPr algn="r"/>
-              <a:endParaRPr lang="pt-BR"/>
-            </a:p>
-          </p:txBody>
-        </p:sp>
-        <p:sp>
-          <p:nvSpPr>
-            <p:cNvPr id="13" name="Elipse 12">
-              <a:extLst>
-                <a:ext uri="{FF2B5EF4-FFF2-40B4-BE49-F238E27FC236}">
-                  <a16:creationId xmlns:a16="http://schemas.microsoft.com/office/drawing/2014/main" id="{7C111B40-2E63-2712-C3D1-E8F4DD14569B}"/>
-                </a:ext>
-              </a:extLst>
-            </p:cNvPr>
-            <p:cNvSpPr/>
-            <p:nvPr/>
-          </p:nvSpPr>
-          <p:spPr>
-            <a:xfrm>
-              <a:off x="2870481" y="3239501"/>
-              <a:ext cx="45719" cy="46951"/>
-            </a:xfrm>
-            <a:prstGeom prst="ellipse">
-              <a:avLst/>
-            </a:prstGeom>
-            <a:solidFill>
-              <a:srgbClr val="FF3737"/>
-            </a:solidFill>
-            <a:ln>
-              <a:solidFill>
-                <a:srgbClr val="FF3737"/>
-              </a:solidFill>
-            </a:ln>
-          </p:spPr>
-          <p:style>
-            <a:lnRef idx="2">
-              <a:schemeClr val="accent1">
-                <a:shade val="50000"/>
-              </a:schemeClr>
-            </a:lnRef>
-            <a:fillRef idx="1">
-              <a:schemeClr val="accent1"/>
-            </a:fillRef>
-            <a:effectRef idx="0">
-              <a:schemeClr val="accent1"/>
-            </a:effectRef>
-            <a:fontRef idx="minor">
-              <a:schemeClr val="lt1"/>
-            </a:fontRef>
-          </p:style>
-          <p:txBody>
-            <a:bodyPr rtlCol="0" anchor="ctr"/>
-            <a:lstStyle/>
-            <a:p>
-              <a:pPr algn="r"/>
-              <a:endParaRPr lang="pt-BR"/>
-            </a:p>
-          </p:txBody>
-        </p:sp>
-        <p:sp>
-          <p:nvSpPr>
-            <p:cNvPr id="14" name="Elipse 13">
-              <a:extLst>
-                <a:ext uri="{FF2B5EF4-FFF2-40B4-BE49-F238E27FC236}">
-                  <a16:creationId xmlns:a16="http://schemas.microsoft.com/office/drawing/2014/main" id="{D3B88E02-B6BE-D9E3-06CD-12B0D15B1B1B}"/>
-                </a:ext>
-              </a:extLst>
-            </p:cNvPr>
-            <p:cNvSpPr/>
-            <p:nvPr/>
-          </p:nvSpPr>
-          <p:spPr>
-            <a:xfrm>
-              <a:off x="2870481" y="3787717"/>
-              <a:ext cx="45719" cy="46951"/>
-            </a:xfrm>
-            <a:prstGeom prst="ellipse">
-              <a:avLst/>
-            </a:prstGeom>
-            <a:solidFill>
-              <a:srgbClr val="FF3737"/>
-            </a:solidFill>
-            <a:ln>
-              <a:solidFill>
-                <a:srgbClr val="FF3737"/>
-              </a:solidFill>
-            </a:ln>
-          </p:spPr>
-          <p:style>
-            <a:lnRef idx="2">
-              <a:schemeClr val="accent1">
-                <a:shade val="50000"/>
-              </a:schemeClr>
-            </a:lnRef>
-            <a:fillRef idx="1">
-              <a:schemeClr val="accent1"/>
-            </a:fillRef>
-            <a:effectRef idx="0">
-              <a:schemeClr val="accent1"/>
-            </a:effectRef>
-            <a:fontRef idx="minor">
-              <a:schemeClr val="lt1"/>
-            </a:fontRef>
-          </p:style>
-          <p:txBody>
-            <a:bodyPr rtlCol="0" anchor="ctr"/>
-            <a:lstStyle/>
-            <a:p>
-              <a:pPr algn="r"/>
-              <a:endParaRPr lang="pt-BR"/>
-            </a:p>
-          </p:txBody>
-        </p:sp>
-        <p:sp>
-          <p:nvSpPr>
-            <p:cNvPr id="15" name="Elipse 14">
-              <a:extLst>
-                <a:ext uri="{FF2B5EF4-FFF2-40B4-BE49-F238E27FC236}">
-                  <a16:creationId xmlns:a16="http://schemas.microsoft.com/office/drawing/2014/main" id="{54382C7D-36AD-D143-6609-87A9539B9CEE}"/>
-                </a:ext>
-              </a:extLst>
-            </p:cNvPr>
-            <p:cNvSpPr/>
-            <p:nvPr/>
-          </p:nvSpPr>
-          <p:spPr>
-            <a:xfrm>
-              <a:off x="2951645" y="2683434"/>
-              <a:ext cx="45719" cy="46951"/>
-            </a:xfrm>
-            <a:prstGeom prst="ellipse">
-              <a:avLst/>
-            </a:prstGeom>
-            <a:solidFill>
-              <a:srgbClr val="37A65C"/>
-            </a:solidFill>
-            <a:ln>
-              <a:solidFill>
-                <a:srgbClr val="37A65C"/>
-              </a:solidFill>
-            </a:ln>
-          </p:spPr>
-          <p:style>
-            <a:lnRef idx="2">
-              <a:schemeClr val="accent1">
-                <a:shade val="50000"/>
-              </a:schemeClr>
-            </a:lnRef>
-            <a:fillRef idx="1">
-              <a:schemeClr val="accent1"/>
-            </a:fillRef>
-            <a:effectRef idx="0">
-              <a:schemeClr val="accent1"/>
-            </a:effectRef>
-            <a:fontRef idx="minor">
-              <a:schemeClr val="lt1"/>
-            </a:fontRef>
-          </p:style>
-          <p:txBody>
-            <a:bodyPr rtlCol="0" anchor="ctr"/>
-            <a:lstStyle/>
-            <a:p>
-              <a:pPr algn="r"/>
-              <a:endParaRPr lang="pt-BR"/>
-            </a:p>
-          </p:txBody>
-        </p:sp>
-        <p:sp>
-          <p:nvSpPr>
-            <p:cNvPr id="16" name="Elipse 15">
-              <a:extLst>
-                <a:ext uri="{FF2B5EF4-FFF2-40B4-BE49-F238E27FC236}">
-                  <a16:creationId xmlns:a16="http://schemas.microsoft.com/office/drawing/2014/main" id="{EE387D22-6B5A-2FA0-3D59-67B01B123893}"/>
-                </a:ext>
-              </a:extLst>
-            </p:cNvPr>
-            <p:cNvSpPr/>
-            <p:nvPr/>
-          </p:nvSpPr>
-          <p:spPr>
-            <a:xfrm>
-              <a:off x="2951644" y="3239500"/>
-              <a:ext cx="45719" cy="46951"/>
-            </a:xfrm>
-            <a:prstGeom prst="ellipse">
-              <a:avLst/>
-            </a:prstGeom>
-            <a:solidFill>
-              <a:srgbClr val="37A65C"/>
-            </a:solidFill>
-            <a:ln>
-              <a:solidFill>
-                <a:srgbClr val="37A65C"/>
-              </a:solidFill>
-            </a:ln>
-          </p:spPr>
-          <p:style>
-            <a:lnRef idx="2">
-              <a:schemeClr val="accent1">
-                <a:shade val="50000"/>
-              </a:schemeClr>
-            </a:lnRef>
-            <a:fillRef idx="1">
-              <a:schemeClr val="accent1"/>
-            </a:fillRef>
-            <a:effectRef idx="0">
-              <a:schemeClr val="accent1"/>
-            </a:effectRef>
-            <a:fontRef idx="minor">
-              <a:schemeClr val="lt1"/>
-            </a:fontRef>
-          </p:style>
-          <p:txBody>
-            <a:bodyPr rtlCol="0" anchor="ctr"/>
-            <a:lstStyle/>
-            <a:p>
-              <a:pPr algn="r"/>
-              <a:endParaRPr lang="pt-BR"/>
-            </a:p>
-          </p:txBody>
-        </p:sp>
-        <p:sp>
-          <p:nvSpPr>
-            <p:cNvPr id="17" name="Elipse 16">
-              <a:extLst>
-                <a:ext uri="{FF2B5EF4-FFF2-40B4-BE49-F238E27FC236}">
-                  <a16:creationId xmlns:a16="http://schemas.microsoft.com/office/drawing/2014/main" id="{B974FFD1-581F-6D5A-E76B-41609C72154E}"/>
-                </a:ext>
-              </a:extLst>
-            </p:cNvPr>
-            <p:cNvSpPr/>
-            <p:nvPr/>
-          </p:nvSpPr>
-          <p:spPr>
-            <a:xfrm>
-              <a:off x="2951644" y="3787717"/>
-              <a:ext cx="45719" cy="46951"/>
-            </a:xfrm>
-            <a:prstGeom prst="ellipse">
-              <a:avLst/>
-            </a:prstGeom>
-            <a:solidFill>
-              <a:srgbClr val="37A65C"/>
-            </a:solidFill>
-            <a:ln>
-              <a:solidFill>
-                <a:srgbClr val="37A65C"/>
-              </a:solidFill>
-            </a:ln>
-          </p:spPr>
-          <p:style>
-            <a:lnRef idx="2">
-              <a:schemeClr val="accent1">
-                <a:shade val="50000"/>
-              </a:schemeClr>
-            </a:lnRef>
-            <a:fillRef idx="1">
-              <a:schemeClr val="accent1"/>
-            </a:fillRef>
-            <a:effectRef idx="0">
-              <a:schemeClr val="accent1"/>
-            </a:effectRef>
-            <a:fontRef idx="minor">
-              <a:schemeClr val="lt1"/>
-            </a:fontRef>
-          </p:style>
-          <p:txBody>
-            <a:bodyPr rtlCol="0" anchor="ctr"/>
-            <a:lstStyle/>
-            <a:p>
-              <a:pPr algn="r"/>
-              <a:endParaRPr lang="pt-BR"/>
-            </a:p>
-          </p:txBody>
-        </p:sp>
-        <p:sp>
-          <p:nvSpPr>
-            <p:cNvPr id="18" name="Elipse 17">
-              <a:extLst>
-                <a:ext uri="{FF2B5EF4-FFF2-40B4-BE49-F238E27FC236}">
-                  <a16:creationId xmlns:a16="http://schemas.microsoft.com/office/drawing/2014/main" id="{78CB53B2-230F-BCC9-C791-884D794772AB}"/>
-                </a:ext>
-              </a:extLst>
-            </p:cNvPr>
-            <p:cNvSpPr/>
-            <p:nvPr/>
-          </p:nvSpPr>
-          <p:spPr>
-            <a:xfrm>
-              <a:off x="3032808" y="2683434"/>
-              <a:ext cx="45719" cy="46951"/>
-            </a:xfrm>
-            <a:prstGeom prst="ellipse">
-              <a:avLst/>
-            </a:prstGeom>
-            <a:solidFill>
-              <a:srgbClr val="FAEB2E"/>
-            </a:solidFill>
-            <a:ln>
-              <a:solidFill>
-                <a:srgbClr val="FAEB2E"/>
-              </a:solidFill>
-            </a:ln>
-          </p:spPr>
-          <p:style>
-            <a:lnRef idx="2">
-              <a:schemeClr val="accent1">
-                <a:shade val="50000"/>
-              </a:schemeClr>
-            </a:lnRef>
-            <a:fillRef idx="1">
-              <a:schemeClr val="accent1"/>
-            </a:fillRef>
-            <a:effectRef idx="0">
-              <a:schemeClr val="accent1"/>
-            </a:effectRef>
-            <a:fontRef idx="minor">
-              <a:schemeClr val="lt1"/>
-            </a:fontRef>
-          </p:style>
-          <p:txBody>
-            <a:bodyPr rtlCol="0" anchor="ctr"/>
-            <a:lstStyle/>
-            <a:p>
-              <a:pPr algn="r"/>
-              <a:endParaRPr lang="pt-BR"/>
-            </a:p>
-          </p:txBody>
-        </p:sp>
-        <p:sp>
-          <p:nvSpPr>
-            <p:cNvPr id="19" name="Elipse 18">
-              <a:extLst>
-                <a:ext uri="{FF2B5EF4-FFF2-40B4-BE49-F238E27FC236}">
-                  <a16:creationId xmlns:a16="http://schemas.microsoft.com/office/drawing/2014/main" id="{C3DFEED2-FF3B-F838-4777-D67428F81FD8}"/>
-                </a:ext>
-              </a:extLst>
-            </p:cNvPr>
-            <p:cNvSpPr/>
-            <p:nvPr/>
-          </p:nvSpPr>
-          <p:spPr>
-            <a:xfrm>
-              <a:off x="3032807" y="3239499"/>
-              <a:ext cx="45719" cy="46951"/>
-            </a:xfrm>
-            <a:prstGeom prst="ellipse">
-              <a:avLst/>
-            </a:prstGeom>
-            <a:solidFill>
-              <a:srgbClr val="FAEB2E"/>
-            </a:solidFill>
-            <a:ln>
-              <a:solidFill>
-                <a:srgbClr val="FAEB2E"/>
-              </a:solidFill>
-            </a:ln>
-          </p:spPr>
-          <p:style>
-            <a:lnRef idx="2">
-              <a:schemeClr val="accent1">
-                <a:shade val="50000"/>
-              </a:schemeClr>
-            </a:lnRef>
-            <a:fillRef idx="1">
-              <a:schemeClr val="accent1"/>
-            </a:fillRef>
-            <a:effectRef idx="0">
-              <a:schemeClr val="accent1"/>
-            </a:effectRef>
-            <a:fontRef idx="minor">
-              <a:schemeClr val="lt1"/>
-            </a:fontRef>
-          </p:style>
-          <p:txBody>
-            <a:bodyPr rtlCol="0" anchor="ctr"/>
-            <a:lstStyle/>
-            <a:p>
-              <a:pPr algn="r"/>
-              <a:endParaRPr lang="pt-BR"/>
-            </a:p>
-          </p:txBody>
-        </p:sp>
-        <p:sp>
-          <p:nvSpPr>
-            <p:cNvPr id="20" name="Elipse 19">
-              <a:extLst>
-                <a:ext uri="{FF2B5EF4-FFF2-40B4-BE49-F238E27FC236}">
-                  <a16:creationId xmlns:a16="http://schemas.microsoft.com/office/drawing/2014/main" id="{7E136AB9-77B5-43D1-4D43-25F8C8682686}"/>
-                </a:ext>
-              </a:extLst>
-            </p:cNvPr>
-            <p:cNvSpPr/>
-            <p:nvPr/>
-          </p:nvSpPr>
-          <p:spPr>
-            <a:xfrm>
-              <a:off x="3032806" y="3787717"/>
-              <a:ext cx="45719" cy="46951"/>
-            </a:xfrm>
-            <a:prstGeom prst="ellipse">
-              <a:avLst/>
-            </a:prstGeom>
-            <a:solidFill>
-              <a:srgbClr val="FAEB2E"/>
-            </a:solidFill>
-            <a:ln>
-              <a:solidFill>
-                <a:srgbClr val="FAEB2E"/>
-              </a:solidFill>
-            </a:ln>
-          </p:spPr>
-          <p:style>
-            <a:lnRef idx="2">
-              <a:schemeClr val="accent1">
-                <a:shade val="50000"/>
-              </a:schemeClr>
-            </a:lnRef>
-            <a:fillRef idx="1">
-              <a:schemeClr val="accent1"/>
-            </a:fillRef>
-            <a:effectRef idx="0">
-              <a:schemeClr val="accent1"/>
-            </a:effectRef>
-            <a:fontRef idx="minor">
-              <a:schemeClr val="lt1"/>
-            </a:fontRef>
-          </p:style>
-          <p:txBody>
-            <a:bodyPr rtlCol="0" anchor="ctr"/>
-            <a:lstStyle/>
-            <a:p>
-              <a:pPr algn="r"/>
-              <a:endParaRPr lang="pt-BR"/>
-            </a:p>
-          </p:txBody>
-        </p:sp>
-        <p:sp>
-          <p:nvSpPr>
-            <p:cNvPr id="21" name="Retângulo: Cantos Arredondados 20">
-              <a:extLst>
-                <a:ext uri="{FF2B5EF4-FFF2-40B4-BE49-F238E27FC236}">
-                  <a16:creationId xmlns:a16="http://schemas.microsoft.com/office/drawing/2014/main" id="{6E122857-2FC1-56F4-FB26-0CAFC5D386E6}"/>
-                </a:ext>
-              </a:extLst>
-            </p:cNvPr>
-            <p:cNvSpPr/>
-            <p:nvPr/>
-          </p:nvSpPr>
-          <p:spPr>
-            <a:xfrm>
-              <a:off x="3167063" y="2684666"/>
-              <a:ext cx="824219" cy="45719"/>
-            </a:xfrm>
-            <a:prstGeom prst="roundRect">
-              <a:avLst/>
-            </a:prstGeom>
-            <a:solidFill>
-              <a:srgbClr val="132323"/>
-            </a:solidFill>
-            <a:ln>
-              <a:solidFill>
-                <a:srgbClr val="132323"/>
-              </a:solidFill>
-            </a:ln>
-          </p:spPr>
-          <p:style>
-            <a:lnRef idx="2">
-              <a:schemeClr val="accent1">
-                <a:shade val="50000"/>
-              </a:schemeClr>
-            </a:lnRef>
-            <a:fillRef idx="1">
-              <a:schemeClr val="accent1"/>
-            </a:fillRef>
-            <a:effectRef idx="0">
-              <a:schemeClr val="accent1"/>
-            </a:effectRef>
-            <a:fontRef idx="minor">
-              <a:schemeClr val="lt1"/>
-            </a:fontRef>
-          </p:style>
-          <p:txBody>
-            <a:bodyPr rtlCol="0" anchor="ctr"/>
-            <a:lstStyle/>
-            <a:p>
-              <a:pPr algn="r"/>
-              <a:endParaRPr lang="pt-BR">
-                <a:solidFill>
-                  <a:srgbClr val="132323"/>
-                </a:solidFill>
-              </a:endParaRPr>
-            </a:p>
-          </p:txBody>
-        </p:sp>
-        <p:sp>
-          <p:nvSpPr>
-            <p:cNvPr id="22" name="Retângulo: Cantos Arredondados 21">
-              <a:extLst>
-                <a:ext uri="{FF2B5EF4-FFF2-40B4-BE49-F238E27FC236}">
-                  <a16:creationId xmlns:a16="http://schemas.microsoft.com/office/drawing/2014/main" id="{49E7205A-DDA6-D597-0A3B-DE15719A0B54}"/>
-                </a:ext>
-              </a:extLst>
-            </p:cNvPr>
-            <p:cNvSpPr/>
-            <p:nvPr/>
-          </p:nvSpPr>
-          <p:spPr>
-            <a:xfrm>
-              <a:off x="3167062" y="3239499"/>
-              <a:ext cx="824219" cy="45719"/>
-            </a:xfrm>
-            <a:prstGeom prst="roundRect">
-              <a:avLst/>
-            </a:prstGeom>
-            <a:solidFill>
-              <a:srgbClr val="132323"/>
-            </a:solidFill>
-            <a:ln>
-              <a:solidFill>
-                <a:srgbClr val="132323"/>
-              </a:solidFill>
-            </a:ln>
-          </p:spPr>
-          <p:style>
-            <a:lnRef idx="2">
-              <a:schemeClr val="accent1">
-                <a:shade val="50000"/>
-              </a:schemeClr>
-            </a:lnRef>
-            <a:fillRef idx="1">
-              <a:schemeClr val="accent1"/>
-            </a:fillRef>
-            <a:effectRef idx="0">
-              <a:schemeClr val="accent1"/>
-            </a:effectRef>
-            <a:fontRef idx="minor">
-              <a:schemeClr val="lt1"/>
-            </a:fontRef>
-          </p:style>
-          <p:txBody>
-            <a:bodyPr rtlCol="0" anchor="ctr"/>
-            <a:lstStyle/>
-            <a:p>
-              <a:pPr algn="r"/>
-              <a:endParaRPr lang="pt-BR">
-                <a:solidFill>
-                  <a:srgbClr val="132323"/>
-                </a:solidFill>
-              </a:endParaRPr>
-            </a:p>
-          </p:txBody>
-        </p:sp>
-        <p:sp>
-          <p:nvSpPr>
-            <p:cNvPr id="23" name="Retângulo: Cantos Arredondados 22">
-              <a:extLst>
-                <a:ext uri="{FF2B5EF4-FFF2-40B4-BE49-F238E27FC236}">
-                  <a16:creationId xmlns:a16="http://schemas.microsoft.com/office/drawing/2014/main" id="{5A977A51-D6AA-4693-BBE1-54B7FD2C0D02}"/>
-                </a:ext>
-              </a:extLst>
-            </p:cNvPr>
-            <p:cNvSpPr/>
-            <p:nvPr/>
-          </p:nvSpPr>
-          <p:spPr>
-            <a:xfrm>
-              <a:off x="3167062" y="3786810"/>
-              <a:ext cx="824219" cy="45719"/>
-            </a:xfrm>
-            <a:prstGeom prst="roundRect">
-              <a:avLst/>
-            </a:prstGeom>
-            <a:solidFill>
-              <a:srgbClr val="132323"/>
-            </a:solidFill>
-            <a:ln>
-              <a:solidFill>
-                <a:srgbClr val="132323"/>
-              </a:solidFill>
-            </a:ln>
-          </p:spPr>
-          <p:style>
-            <a:lnRef idx="2">
-              <a:schemeClr val="accent1">
-                <a:shade val="50000"/>
-              </a:schemeClr>
-            </a:lnRef>
-            <a:fillRef idx="1">
-              <a:schemeClr val="accent1"/>
-            </a:fillRef>
-            <a:effectRef idx="0">
-              <a:schemeClr val="accent1"/>
-            </a:effectRef>
-            <a:fontRef idx="minor">
-              <a:schemeClr val="lt1"/>
-            </a:fontRef>
-          </p:style>
-          <p:txBody>
-            <a:bodyPr rtlCol="0" anchor="ctr"/>
-            <a:lstStyle/>
-            <a:p>
-              <a:pPr algn="r"/>
-              <a:endParaRPr lang="pt-BR">
-                <a:solidFill>
-                  <a:srgbClr val="132323"/>
-                </a:solidFill>
-              </a:endParaRPr>
-            </a:p>
-          </p:txBody>
-        </p:sp>
-      </p:grpSp>
-      <p:grpSp>
-        <p:nvGrpSpPr>
-          <p:cNvPr id="39" name="Agrupar 38">
-            <a:extLst>
-              <a:ext uri="{FF2B5EF4-FFF2-40B4-BE49-F238E27FC236}">
-                <a16:creationId xmlns:a16="http://schemas.microsoft.com/office/drawing/2014/main" id="{3756C48F-B3F6-93FF-8577-606D527ED1C2}"/>
-              </a:ext>
-            </a:extLst>
-          </p:cNvPr>
-          <p:cNvGrpSpPr/>
-          <p:nvPr/>
-        </p:nvGrpSpPr>
-        <p:grpSpPr>
-          <a:xfrm>
-            <a:off x="768485" y="2962488"/>
-            <a:ext cx="1618980" cy="977504"/>
-            <a:chOff x="619260" y="1549400"/>
-            <a:chExt cx="1618980" cy="977504"/>
-          </a:xfrm>
-        </p:grpSpPr>
-        <p:sp>
-          <p:nvSpPr>
-            <p:cNvPr id="25" name="Retângulo 24">
-              <a:extLst>
-                <a:ext uri="{FF2B5EF4-FFF2-40B4-BE49-F238E27FC236}">
-                  <a16:creationId xmlns:a16="http://schemas.microsoft.com/office/drawing/2014/main" id="{45975BFF-D14C-EB04-8BBB-52739E37AA45}"/>
-                </a:ext>
-              </a:extLst>
-            </p:cNvPr>
-            <p:cNvSpPr/>
-            <p:nvPr/>
-          </p:nvSpPr>
-          <p:spPr>
-            <a:xfrm>
-              <a:off x="838200" y="1549400"/>
-              <a:ext cx="1181100" cy="774700"/>
-            </a:xfrm>
-            <a:prstGeom prst="rect">
-              <a:avLst/>
-            </a:prstGeom>
-            <a:solidFill>
-              <a:schemeClr val="bg1">
-                <a:lumMod val="85000"/>
-              </a:schemeClr>
-            </a:solidFill>
-            <a:ln w="57150">
-              <a:solidFill>
-                <a:schemeClr val="bg2">
-                  <a:lumMod val="10000"/>
-                </a:schemeClr>
-              </a:solidFill>
-            </a:ln>
-          </p:spPr>
-          <p:style>
-            <a:lnRef idx="2">
-              <a:schemeClr val="accent1">
-                <a:shade val="50000"/>
-              </a:schemeClr>
-            </a:lnRef>
-            <a:fillRef idx="1">
-              <a:schemeClr val="accent1"/>
-            </a:fillRef>
-            <a:effectRef idx="0">
-              <a:schemeClr val="accent1"/>
-            </a:effectRef>
-            <a:fontRef idx="minor">
-              <a:schemeClr val="lt1"/>
-            </a:fontRef>
-          </p:style>
-          <p:txBody>
-            <a:bodyPr rtlCol="0" anchor="ctr"/>
-            <a:lstStyle/>
-            <a:p>
-              <a:pPr algn="r"/>
-              <a:endParaRPr lang="pt-BR">
-                <a:solidFill>
-                  <a:schemeClr val="bg2">
-                    <a:lumMod val="25000"/>
-                  </a:schemeClr>
-                </a:solidFill>
-              </a:endParaRPr>
-            </a:p>
-          </p:txBody>
-        </p:sp>
-        <p:sp>
-          <p:nvSpPr>
-            <p:cNvPr id="27" name="Retângulo 26">
-              <a:extLst>
-                <a:ext uri="{FF2B5EF4-FFF2-40B4-BE49-F238E27FC236}">
-                  <a16:creationId xmlns:a16="http://schemas.microsoft.com/office/drawing/2014/main" id="{45A1AF45-9C88-B971-9BC4-05F2BF79C5A4}"/>
-                </a:ext>
-              </a:extLst>
-            </p:cNvPr>
-            <p:cNvSpPr/>
-            <p:nvPr/>
-          </p:nvSpPr>
-          <p:spPr>
-            <a:xfrm>
-              <a:off x="619260" y="2354264"/>
-              <a:ext cx="1618980" cy="172640"/>
-            </a:xfrm>
-            <a:prstGeom prst="rect">
-              <a:avLst/>
-            </a:prstGeom>
-            <a:solidFill>
-              <a:schemeClr val="bg2">
-                <a:lumMod val="10000"/>
-              </a:schemeClr>
-            </a:solidFill>
-            <a:ln>
-              <a:solidFill>
-                <a:schemeClr val="bg2">
-                  <a:lumMod val="10000"/>
-                </a:schemeClr>
-              </a:solidFill>
-            </a:ln>
-          </p:spPr>
-          <p:style>
-            <a:lnRef idx="2">
-              <a:schemeClr val="accent1">
-                <a:shade val="50000"/>
-              </a:schemeClr>
-            </a:lnRef>
-            <a:fillRef idx="1">
-              <a:schemeClr val="accent1"/>
-            </a:fillRef>
-            <a:effectRef idx="0">
-              <a:schemeClr val="accent1"/>
-            </a:effectRef>
-            <a:fontRef idx="minor">
-              <a:schemeClr val="lt1"/>
-            </a:fontRef>
-          </p:style>
-          <p:txBody>
-            <a:bodyPr rtlCol="0" anchor="ctr"/>
-            <a:lstStyle/>
-            <a:p>
-              <a:pPr algn="r"/>
-              <a:endParaRPr lang="pt-BR">
-                <a:solidFill>
-                  <a:schemeClr val="tx1">
-                    <a:lumMod val="95000"/>
-                    <a:lumOff val="5000"/>
-                  </a:schemeClr>
-                </a:solidFill>
-              </a:endParaRPr>
-            </a:p>
-          </p:txBody>
-        </p:sp>
-        <p:sp>
-          <p:nvSpPr>
-            <p:cNvPr id="38" name="Elipse 37">
-              <a:extLst>
-                <a:ext uri="{FF2B5EF4-FFF2-40B4-BE49-F238E27FC236}">
-                  <a16:creationId xmlns:a16="http://schemas.microsoft.com/office/drawing/2014/main" id="{F8E6AFC7-08F3-9AED-92AE-087E4221014C}"/>
-                </a:ext>
-              </a:extLst>
-            </p:cNvPr>
-            <p:cNvSpPr/>
-            <p:nvPr/>
-          </p:nvSpPr>
-          <p:spPr>
-            <a:xfrm>
-              <a:off x="2076450" y="2417724"/>
-              <a:ext cx="45719" cy="45719"/>
-            </a:xfrm>
-            <a:prstGeom prst="ellipse">
-              <a:avLst/>
-            </a:prstGeom>
-            <a:solidFill>
-              <a:schemeClr val="bg1">
-                <a:lumMod val="85000"/>
-              </a:schemeClr>
-            </a:solidFill>
-            <a:ln>
-              <a:solidFill>
-                <a:schemeClr val="bg1">
-                  <a:lumMod val="85000"/>
-                </a:schemeClr>
-              </a:solidFill>
-            </a:ln>
-          </p:spPr>
-          <p:style>
-            <a:lnRef idx="2">
-              <a:schemeClr val="accent1">
-                <a:shade val="50000"/>
-              </a:schemeClr>
-            </a:lnRef>
-            <a:fillRef idx="1">
-              <a:schemeClr val="accent1"/>
-            </a:fillRef>
-            <a:effectRef idx="0">
-              <a:schemeClr val="accent1"/>
-            </a:effectRef>
-            <a:fontRef idx="minor">
-              <a:schemeClr val="lt1"/>
-            </a:fontRef>
-          </p:style>
-          <p:txBody>
-            <a:bodyPr rtlCol="0" anchor="ctr"/>
-            <a:lstStyle/>
-            <a:p>
-              <a:pPr algn="r"/>
-              <a:endParaRPr lang="pt-BR"/>
-            </a:p>
-          </p:txBody>
-        </p:sp>
-      </p:grpSp>
-      <p:sp>
-        <p:nvSpPr>
-          <p:cNvPr id="40" name="CaixaDeTexto 39">
-            <a:extLst>
-              <a:ext uri="{FF2B5EF4-FFF2-40B4-BE49-F238E27FC236}">
-                <a16:creationId xmlns:a16="http://schemas.microsoft.com/office/drawing/2014/main" id="{159D552C-2D1F-017C-57F5-59EF84A41C05}"/>
-              </a:ext>
-            </a:extLst>
-          </p:cNvPr>
-          <p:cNvSpPr txBox="1"/>
+      <p:sp>
+        <p:nvSpPr>
+          <p:cNvPr id="3" name="Retângulo 2">
+            <a:extLst>
+              <a:ext uri="{FF2B5EF4-FFF2-40B4-BE49-F238E27FC236}">
+                <a16:creationId xmlns:a16="http://schemas.microsoft.com/office/drawing/2014/main" id="{03B1D164-9DC3-B1F5-8E9C-E75E7E469C93}"/>
+              </a:ext>
+            </a:extLst>
+          </p:cNvPr>
+          <p:cNvSpPr/>
           <p:nvPr/>
         </p:nvSpPr>
         <p:spPr>
           <a:xfrm>
-            <a:off x="420687" y="2393408"/>
-            <a:ext cx="2314575" cy="369332"/>
-          </a:xfrm>
-          <a:prstGeom prst="rect">
-            <a:avLst/>
-          </a:prstGeom>
-          <a:noFill/>
-        </p:spPr>
-        <p:txBody>
-          <a:bodyPr wrap="square" rtlCol="0">
-            <a:spAutoFit/>
-          </a:bodyPr>
-          <a:lstStyle/>
-          <a:p>
-            <a:pPr algn="ctr"/>
-            <a:r>
-              <a:rPr lang="en-US" dirty="0">
-                <a:latin typeface="Roboto" panose="02000000000000000000" pitchFamily="2" charset="0"/>
-                <a:ea typeface="Roboto" panose="02000000000000000000" pitchFamily="2" charset="0"/>
-              </a:rPr>
-              <a:t>Personal computer</a:t>
-            </a:r>
-            <a:endParaRPr lang="pt-BR" dirty="0">
-              <a:latin typeface="Roboto" panose="02000000000000000000" pitchFamily="2" charset="0"/>
-              <a:ea typeface="Roboto" panose="02000000000000000000" pitchFamily="2" charset="0"/>
-            </a:endParaRPr>
-          </a:p>
-        </p:txBody>
-      </p:sp>
-      <p:grpSp>
-        <p:nvGrpSpPr>
-          <p:cNvPr id="75" name="Agrupar 74">
-            <a:extLst>
-              <a:ext uri="{FF2B5EF4-FFF2-40B4-BE49-F238E27FC236}">
-                <a16:creationId xmlns:a16="http://schemas.microsoft.com/office/drawing/2014/main" id="{880B0A02-1575-0C78-0D6E-BC7066F1CDD5}"/>
-              </a:ext>
-            </a:extLst>
-          </p:cNvPr>
-          <p:cNvGrpSpPr/>
-          <p:nvPr/>
-        </p:nvGrpSpPr>
-        <p:grpSpPr>
-          <a:xfrm>
-            <a:off x="9909719" y="2753910"/>
-            <a:ext cx="1113338" cy="1350180"/>
-            <a:chOff x="2794248" y="2496877"/>
-            <a:chExt cx="1263430" cy="1532201"/>
-          </a:xfrm>
-        </p:grpSpPr>
-        <p:sp>
-          <p:nvSpPr>
-            <p:cNvPr id="76" name="Retângulo 75">
-              <a:extLst>
-                <a:ext uri="{FF2B5EF4-FFF2-40B4-BE49-F238E27FC236}">
-                  <a16:creationId xmlns:a16="http://schemas.microsoft.com/office/drawing/2014/main" id="{4083F3EF-587A-8329-3628-F6518D28C559}"/>
-                </a:ext>
-              </a:extLst>
-            </p:cNvPr>
-            <p:cNvSpPr/>
-            <p:nvPr/>
-          </p:nvSpPr>
-          <p:spPr>
-            <a:xfrm>
-              <a:off x="2860645" y="2496878"/>
-              <a:ext cx="1130637" cy="1532200"/>
-            </a:xfrm>
-            <a:prstGeom prst="rect">
-              <a:avLst/>
-            </a:prstGeom>
-            <a:solidFill>
-              <a:srgbClr val="132323"/>
-            </a:solidFill>
-            <a:ln>
-              <a:solidFill>
-                <a:srgbClr val="172B2B"/>
-              </a:solidFill>
-            </a:ln>
-          </p:spPr>
-          <p:style>
-            <a:lnRef idx="2">
-              <a:schemeClr val="accent1">
-                <a:shade val="50000"/>
-              </a:schemeClr>
-            </a:lnRef>
-            <a:fillRef idx="1">
-              <a:schemeClr val="accent1"/>
-            </a:fillRef>
-            <a:effectRef idx="0">
-              <a:schemeClr val="accent1"/>
-            </a:effectRef>
-            <a:fontRef idx="minor">
-              <a:schemeClr val="lt1"/>
-            </a:fontRef>
-          </p:style>
-          <p:txBody>
-            <a:bodyPr rtlCol="0" anchor="ctr"/>
-            <a:lstStyle/>
-            <a:p>
-              <a:pPr algn="r"/>
-              <a:endParaRPr lang="pt-BR"/>
-            </a:p>
-          </p:txBody>
-        </p:sp>
-        <p:sp>
-          <p:nvSpPr>
-            <p:cNvPr id="77" name="Retângulo 76">
-              <a:extLst>
-                <a:ext uri="{FF2B5EF4-FFF2-40B4-BE49-F238E27FC236}">
-                  <a16:creationId xmlns:a16="http://schemas.microsoft.com/office/drawing/2014/main" id="{5EAEDED8-2DC6-CA22-6A08-492AD904C9EF}"/>
-                </a:ext>
-              </a:extLst>
-            </p:cNvPr>
-            <p:cNvSpPr/>
-            <p:nvPr/>
-          </p:nvSpPr>
-          <p:spPr>
-            <a:xfrm>
-              <a:off x="2794248" y="2496877"/>
-              <a:ext cx="1263430" cy="435769"/>
-            </a:xfrm>
-            <a:prstGeom prst="rect">
-              <a:avLst/>
-            </a:prstGeom>
-            <a:solidFill>
-              <a:srgbClr val="2C5352"/>
-            </a:solidFill>
-            <a:ln>
-              <a:solidFill>
-                <a:srgbClr val="2C5352"/>
-              </a:solidFill>
-            </a:ln>
-          </p:spPr>
-          <p:style>
-            <a:lnRef idx="2">
-              <a:schemeClr val="accent1">
-                <a:shade val="50000"/>
-              </a:schemeClr>
-            </a:lnRef>
-            <a:fillRef idx="1">
-              <a:schemeClr val="accent1"/>
-            </a:fillRef>
-            <a:effectRef idx="0">
-              <a:schemeClr val="accent1"/>
-            </a:effectRef>
-            <a:fontRef idx="minor">
-              <a:schemeClr val="lt1"/>
-            </a:fontRef>
-          </p:style>
-          <p:txBody>
-            <a:bodyPr rtlCol="0" anchor="ctr"/>
-            <a:lstStyle/>
-            <a:p>
-              <a:pPr algn="r"/>
-              <a:endParaRPr lang="pt-BR"/>
-            </a:p>
-          </p:txBody>
-        </p:sp>
-        <p:sp>
-          <p:nvSpPr>
-            <p:cNvPr id="78" name="Elipse 77">
-              <a:extLst>
-                <a:ext uri="{FF2B5EF4-FFF2-40B4-BE49-F238E27FC236}">
-                  <a16:creationId xmlns:a16="http://schemas.microsoft.com/office/drawing/2014/main" id="{592B5EBA-A7AA-750F-93D7-EA16CAB34949}"/>
-                </a:ext>
-              </a:extLst>
-            </p:cNvPr>
-            <p:cNvSpPr/>
-            <p:nvPr/>
-          </p:nvSpPr>
-          <p:spPr>
-            <a:xfrm>
-              <a:off x="2870482" y="2683435"/>
-              <a:ext cx="45719" cy="46951"/>
-            </a:xfrm>
-            <a:prstGeom prst="ellipse">
-              <a:avLst/>
-            </a:prstGeom>
-            <a:solidFill>
-              <a:srgbClr val="FF3737"/>
-            </a:solidFill>
-            <a:ln>
-              <a:solidFill>
-                <a:srgbClr val="FF3737"/>
-              </a:solidFill>
-            </a:ln>
-          </p:spPr>
-          <p:style>
-            <a:lnRef idx="2">
-              <a:schemeClr val="accent1">
-                <a:shade val="50000"/>
-              </a:schemeClr>
-            </a:lnRef>
-            <a:fillRef idx="1">
-              <a:schemeClr val="accent1"/>
-            </a:fillRef>
-            <a:effectRef idx="0">
-              <a:schemeClr val="accent1"/>
-            </a:effectRef>
-            <a:fontRef idx="minor">
-              <a:schemeClr val="lt1"/>
-            </a:fontRef>
-          </p:style>
-          <p:txBody>
-            <a:bodyPr rtlCol="0" anchor="ctr"/>
-            <a:lstStyle/>
-            <a:p>
-              <a:pPr algn="r"/>
-              <a:endParaRPr lang="pt-BR"/>
-            </a:p>
-          </p:txBody>
-        </p:sp>
-        <p:sp>
-          <p:nvSpPr>
-            <p:cNvPr id="79" name="Retângulo 78">
-              <a:extLst>
-                <a:ext uri="{FF2B5EF4-FFF2-40B4-BE49-F238E27FC236}">
-                  <a16:creationId xmlns:a16="http://schemas.microsoft.com/office/drawing/2014/main" id="{4645EAA9-A6FF-D885-7036-9AFD530FD7EF}"/>
-                </a:ext>
-              </a:extLst>
-            </p:cNvPr>
-            <p:cNvSpPr/>
-            <p:nvPr/>
-          </p:nvSpPr>
-          <p:spPr>
-            <a:xfrm>
-              <a:off x="2794248" y="3045093"/>
-              <a:ext cx="1263430" cy="435768"/>
-            </a:xfrm>
-            <a:prstGeom prst="rect">
-              <a:avLst/>
-            </a:prstGeom>
-            <a:solidFill>
-              <a:srgbClr val="2C5352"/>
-            </a:solidFill>
-            <a:ln>
-              <a:solidFill>
-                <a:srgbClr val="2C5352"/>
-              </a:solidFill>
-            </a:ln>
-          </p:spPr>
-          <p:style>
-            <a:lnRef idx="2">
-              <a:schemeClr val="accent1">
-                <a:shade val="50000"/>
-              </a:schemeClr>
-            </a:lnRef>
-            <a:fillRef idx="1">
-              <a:schemeClr val="accent1"/>
-            </a:fillRef>
-            <a:effectRef idx="0">
-              <a:schemeClr val="accent1"/>
-            </a:effectRef>
-            <a:fontRef idx="minor">
-              <a:schemeClr val="lt1"/>
-            </a:fontRef>
-          </p:style>
-          <p:txBody>
-            <a:bodyPr rtlCol="0" anchor="ctr"/>
-            <a:lstStyle/>
-            <a:p>
-              <a:pPr algn="r"/>
-              <a:endParaRPr lang="pt-BR"/>
-            </a:p>
-          </p:txBody>
-        </p:sp>
-        <p:sp>
-          <p:nvSpPr>
-            <p:cNvPr id="80" name="Retângulo 79">
-              <a:extLst>
-                <a:ext uri="{FF2B5EF4-FFF2-40B4-BE49-F238E27FC236}">
-                  <a16:creationId xmlns:a16="http://schemas.microsoft.com/office/drawing/2014/main" id="{A8BE89FA-CE01-A45B-1366-8040D9BEC804}"/>
-                </a:ext>
-              </a:extLst>
-            </p:cNvPr>
-            <p:cNvSpPr/>
-            <p:nvPr/>
-          </p:nvSpPr>
-          <p:spPr>
-            <a:xfrm>
-              <a:off x="2794248" y="3593309"/>
-              <a:ext cx="1263430" cy="435769"/>
-            </a:xfrm>
-            <a:prstGeom prst="rect">
-              <a:avLst/>
-            </a:prstGeom>
-            <a:solidFill>
-              <a:srgbClr val="2C5352"/>
-            </a:solidFill>
-            <a:ln>
-              <a:solidFill>
-                <a:srgbClr val="2C5352"/>
-              </a:solidFill>
-            </a:ln>
-          </p:spPr>
-          <p:style>
-            <a:lnRef idx="2">
-              <a:schemeClr val="accent1">
-                <a:shade val="50000"/>
-              </a:schemeClr>
-            </a:lnRef>
-            <a:fillRef idx="1">
-              <a:schemeClr val="accent1"/>
-            </a:fillRef>
-            <a:effectRef idx="0">
-              <a:schemeClr val="accent1"/>
-            </a:effectRef>
-            <a:fontRef idx="minor">
-              <a:schemeClr val="lt1"/>
-            </a:fontRef>
-          </p:style>
-          <p:txBody>
-            <a:bodyPr rtlCol="0" anchor="ctr"/>
-            <a:lstStyle/>
-            <a:p>
-              <a:pPr algn="r"/>
-              <a:endParaRPr lang="pt-BR"/>
-            </a:p>
-          </p:txBody>
-        </p:sp>
-        <p:sp>
-          <p:nvSpPr>
-            <p:cNvPr id="81" name="Elipse 80">
-              <a:extLst>
-                <a:ext uri="{FF2B5EF4-FFF2-40B4-BE49-F238E27FC236}">
-                  <a16:creationId xmlns:a16="http://schemas.microsoft.com/office/drawing/2014/main" id="{BF311DDC-454A-459F-1E2D-83998E04ACAF}"/>
-                </a:ext>
-              </a:extLst>
-            </p:cNvPr>
-            <p:cNvSpPr/>
-            <p:nvPr/>
-          </p:nvSpPr>
-          <p:spPr>
-            <a:xfrm>
-              <a:off x="2870481" y="3239501"/>
-              <a:ext cx="45719" cy="46951"/>
-            </a:xfrm>
-            <a:prstGeom prst="ellipse">
-              <a:avLst/>
-            </a:prstGeom>
-            <a:solidFill>
-              <a:srgbClr val="FF3737"/>
-            </a:solidFill>
-            <a:ln>
-              <a:solidFill>
-                <a:srgbClr val="FF3737"/>
-              </a:solidFill>
-            </a:ln>
-          </p:spPr>
-          <p:style>
-            <a:lnRef idx="2">
-              <a:schemeClr val="accent1">
-                <a:shade val="50000"/>
-              </a:schemeClr>
-            </a:lnRef>
-            <a:fillRef idx="1">
-              <a:schemeClr val="accent1"/>
-            </a:fillRef>
-            <a:effectRef idx="0">
-              <a:schemeClr val="accent1"/>
-            </a:effectRef>
-            <a:fontRef idx="minor">
-              <a:schemeClr val="lt1"/>
-            </a:fontRef>
-          </p:style>
-          <p:txBody>
-            <a:bodyPr rtlCol="0" anchor="ctr"/>
-            <a:lstStyle/>
-            <a:p>
-              <a:pPr algn="r"/>
-              <a:endParaRPr lang="pt-BR"/>
-            </a:p>
-          </p:txBody>
-        </p:sp>
-        <p:sp>
-          <p:nvSpPr>
-            <p:cNvPr id="82" name="Elipse 81">
-              <a:extLst>
-                <a:ext uri="{FF2B5EF4-FFF2-40B4-BE49-F238E27FC236}">
-                  <a16:creationId xmlns:a16="http://schemas.microsoft.com/office/drawing/2014/main" id="{2603C525-D36F-1957-13FC-8A8B111C86E0}"/>
-                </a:ext>
-              </a:extLst>
-            </p:cNvPr>
-            <p:cNvSpPr/>
-            <p:nvPr/>
-          </p:nvSpPr>
-          <p:spPr>
-            <a:xfrm>
-              <a:off x="2870481" y="3787717"/>
-              <a:ext cx="45719" cy="46951"/>
-            </a:xfrm>
-            <a:prstGeom prst="ellipse">
-              <a:avLst/>
-            </a:prstGeom>
-            <a:solidFill>
-              <a:srgbClr val="FF3737"/>
-            </a:solidFill>
-            <a:ln>
-              <a:solidFill>
-                <a:srgbClr val="FF3737"/>
-              </a:solidFill>
-            </a:ln>
-          </p:spPr>
-          <p:style>
-            <a:lnRef idx="2">
-              <a:schemeClr val="accent1">
-                <a:shade val="50000"/>
-              </a:schemeClr>
-            </a:lnRef>
-            <a:fillRef idx="1">
-              <a:schemeClr val="accent1"/>
-            </a:fillRef>
-            <a:effectRef idx="0">
-              <a:schemeClr val="accent1"/>
-            </a:effectRef>
-            <a:fontRef idx="minor">
-              <a:schemeClr val="lt1"/>
-            </a:fontRef>
-          </p:style>
-          <p:txBody>
-            <a:bodyPr rtlCol="0" anchor="ctr"/>
-            <a:lstStyle/>
-            <a:p>
-              <a:pPr algn="r"/>
-              <a:endParaRPr lang="pt-BR"/>
-            </a:p>
-          </p:txBody>
-        </p:sp>
-        <p:sp>
-          <p:nvSpPr>
-            <p:cNvPr id="83" name="Elipse 82">
-              <a:extLst>
-                <a:ext uri="{FF2B5EF4-FFF2-40B4-BE49-F238E27FC236}">
-                  <a16:creationId xmlns:a16="http://schemas.microsoft.com/office/drawing/2014/main" id="{BE7F7B28-C3D2-A7DA-0555-2F9C15E0895E}"/>
-                </a:ext>
-              </a:extLst>
-            </p:cNvPr>
-            <p:cNvSpPr/>
-            <p:nvPr/>
-          </p:nvSpPr>
-          <p:spPr>
-            <a:xfrm>
-              <a:off x="2951645" y="2683434"/>
-              <a:ext cx="45719" cy="46951"/>
-            </a:xfrm>
-            <a:prstGeom prst="ellipse">
-              <a:avLst/>
-            </a:prstGeom>
-            <a:solidFill>
-              <a:srgbClr val="37A65C"/>
-            </a:solidFill>
-            <a:ln>
-              <a:solidFill>
-                <a:srgbClr val="37A65C"/>
-              </a:solidFill>
-            </a:ln>
-          </p:spPr>
-          <p:style>
-            <a:lnRef idx="2">
-              <a:schemeClr val="accent1">
-                <a:shade val="50000"/>
-              </a:schemeClr>
-            </a:lnRef>
-            <a:fillRef idx="1">
-              <a:schemeClr val="accent1"/>
-            </a:fillRef>
-            <a:effectRef idx="0">
-              <a:schemeClr val="accent1"/>
-            </a:effectRef>
-            <a:fontRef idx="minor">
-              <a:schemeClr val="lt1"/>
-            </a:fontRef>
-          </p:style>
-          <p:txBody>
-            <a:bodyPr rtlCol="0" anchor="ctr"/>
-            <a:lstStyle/>
-            <a:p>
-              <a:pPr algn="r"/>
-              <a:endParaRPr lang="pt-BR"/>
-            </a:p>
-          </p:txBody>
-        </p:sp>
-        <p:sp>
-          <p:nvSpPr>
-            <p:cNvPr id="84" name="Elipse 83">
-              <a:extLst>
-                <a:ext uri="{FF2B5EF4-FFF2-40B4-BE49-F238E27FC236}">
-                  <a16:creationId xmlns:a16="http://schemas.microsoft.com/office/drawing/2014/main" id="{6545C830-0890-8A6A-FC22-FAB9055E886D}"/>
-                </a:ext>
-              </a:extLst>
-            </p:cNvPr>
-            <p:cNvSpPr/>
-            <p:nvPr/>
-          </p:nvSpPr>
-          <p:spPr>
-            <a:xfrm>
-              <a:off x="2951644" y="3239500"/>
-              <a:ext cx="45719" cy="46951"/>
-            </a:xfrm>
-            <a:prstGeom prst="ellipse">
-              <a:avLst/>
-            </a:prstGeom>
-            <a:solidFill>
-              <a:srgbClr val="37A65C"/>
-            </a:solidFill>
-            <a:ln>
-              <a:solidFill>
-                <a:srgbClr val="37A65C"/>
-              </a:solidFill>
-            </a:ln>
-          </p:spPr>
-          <p:style>
-            <a:lnRef idx="2">
-              <a:schemeClr val="accent1">
-                <a:shade val="50000"/>
-              </a:schemeClr>
-            </a:lnRef>
-            <a:fillRef idx="1">
-              <a:schemeClr val="accent1"/>
-            </a:fillRef>
-            <a:effectRef idx="0">
-              <a:schemeClr val="accent1"/>
-            </a:effectRef>
-            <a:fontRef idx="minor">
-              <a:schemeClr val="lt1"/>
-            </a:fontRef>
-          </p:style>
-          <p:txBody>
-            <a:bodyPr rtlCol="0" anchor="ctr"/>
-            <a:lstStyle/>
-            <a:p>
-              <a:pPr algn="r"/>
-              <a:endParaRPr lang="pt-BR"/>
-            </a:p>
-          </p:txBody>
-        </p:sp>
-        <p:sp>
-          <p:nvSpPr>
-            <p:cNvPr id="85" name="Elipse 84">
-              <a:extLst>
-                <a:ext uri="{FF2B5EF4-FFF2-40B4-BE49-F238E27FC236}">
-                  <a16:creationId xmlns:a16="http://schemas.microsoft.com/office/drawing/2014/main" id="{FB0D4FF6-88E0-CB70-E703-F5FD01EF1177}"/>
-                </a:ext>
-              </a:extLst>
-            </p:cNvPr>
-            <p:cNvSpPr/>
-            <p:nvPr/>
-          </p:nvSpPr>
-          <p:spPr>
-            <a:xfrm>
-              <a:off x="2951644" y="3787717"/>
-              <a:ext cx="45719" cy="46951"/>
-            </a:xfrm>
-            <a:prstGeom prst="ellipse">
-              <a:avLst/>
-            </a:prstGeom>
-            <a:solidFill>
-              <a:srgbClr val="37A65C"/>
-            </a:solidFill>
-            <a:ln>
-              <a:solidFill>
-                <a:srgbClr val="37A65C"/>
-              </a:solidFill>
-            </a:ln>
-          </p:spPr>
-          <p:style>
-            <a:lnRef idx="2">
-              <a:schemeClr val="accent1">
-                <a:shade val="50000"/>
-              </a:schemeClr>
-            </a:lnRef>
-            <a:fillRef idx="1">
-              <a:schemeClr val="accent1"/>
-            </a:fillRef>
-            <a:effectRef idx="0">
-              <a:schemeClr val="accent1"/>
-            </a:effectRef>
-            <a:fontRef idx="minor">
-              <a:schemeClr val="lt1"/>
-            </a:fontRef>
-          </p:style>
-          <p:txBody>
-            <a:bodyPr rtlCol="0" anchor="ctr"/>
-            <a:lstStyle/>
-            <a:p>
-              <a:pPr algn="r"/>
-              <a:endParaRPr lang="pt-BR"/>
-            </a:p>
-          </p:txBody>
-        </p:sp>
-        <p:sp>
-          <p:nvSpPr>
-            <p:cNvPr id="86" name="Elipse 85">
-              <a:extLst>
-                <a:ext uri="{FF2B5EF4-FFF2-40B4-BE49-F238E27FC236}">
-                  <a16:creationId xmlns:a16="http://schemas.microsoft.com/office/drawing/2014/main" id="{B2ECDE7F-8248-9A44-6CFF-D471D97CFE2C}"/>
-                </a:ext>
-              </a:extLst>
-            </p:cNvPr>
-            <p:cNvSpPr/>
-            <p:nvPr/>
-          </p:nvSpPr>
-          <p:spPr>
-            <a:xfrm>
-              <a:off x="3032808" y="2683434"/>
-              <a:ext cx="45719" cy="46951"/>
-            </a:xfrm>
-            <a:prstGeom prst="ellipse">
-              <a:avLst/>
-            </a:prstGeom>
-            <a:solidFill>
-              <a:srgbClr val="FAEB2E"/>
-            </a:solidFill>
-            <a:ln>
-              <a:solidFill>
-                <a:srgbClr val="FAEB2E"/>
-              </a:solidFill>
-            </a:ln>
-          </p:spPr>
-          <p:style>
-            <a:lnRef idx="2">
-              <a:schemeClr val="accent1">
-                <a:shade val="50000"/>
-              </a:schemeClr>
-            </a:lnRef>
-            <a:fillRef idx="1">
-              <a:schemeClr val="accent1"/>
-            </a:fillRef>
-            <a:effectRef idx="0">
-              <a:schemeClr val="accent1"/>
-            </a:effectRef>
-            <a:fontRef idx="minor">
-              <a:schemeClr val="lt1"/>
-            </a:fontRef>
-          </p:style>
-          <p:txBody>
-            <a:bodyPr rtlCol="0" anchor="ctr"/>
-            <a:lstStyle/>
-            <a:p>
-              <a:pPr algn="r"/>
-              <a:endParaRPr lang="pt-BR"/>
-            </a:p>
-          </p:txBody>
-        </p:sp>
-        <p:sp>
-          <p:nvSpPr>
-            <p:cNvPr id="87" name="Elipse 86">
-              <a:extLst>
-                <a:ext uri="{FF2B5EF4-FFF2-40B4-BE49-F238E27FC236}">
-                  <a16:creationId xmlns:a16="http://schemas.microsoft.com/office/drawing/2014/main" id="{7AE46970-CF71-A615-9C64-D8D71136275B}"/>
-                </a:ext>
-              </a:extLst>
-            </p:cNvPr>
-            <p:cNvSpPr/>
-            <p:nvPr/>
-          </p:nvSpPr>
-          <p:spPr>
-            <a:xfrm>
-              <a:off x="3032807" y="3239499"/>
-              <a:ext cx="45719" cy="46951"/>
-            </a:xfrm>
-            <a:prstGeom prst="ellipse">
-              <a:avLst/>
-            </a:prstGeom>
-            <a:solidFill>
-              <a:srgbClr val="FAEB2E"/>
-            </a:solidFill>
-            <a:ln>
-              <a:solidFill>
-                <a:srgbClr val="FAEB2E"/>
-              </a:solidFill>
-            </a:ln>
-          </p:spPr>
-          <p:style>
-            <a:lnRef idx="2">
-              <a:schemeClr val="accent1">
-                <a:shade val="50000"/>
-              </a:schemeClr>
-            </a:lnRef>
-            <a:fillRef idx="1">
-              <a:schemeClr val="accent1"/>
-            </a:fillRef>
-            <a:effectRef idx="0">
-              <a:schemeClr val="accent1"/>
-            </a:effectRef>
-            <a:fontRef idx="minor">
-              <a:schemeClr val="lt1"/>
-            </a:fontRef>
-          </p:style>
-          <p:txBody>
-            <a:bodyPr rtlCol="0" anchor="ctr"/>
-            <a:lstStyle/>
-            <a:p>
-              <a:pPr algn="r"/>
-              <a:endParaRPr lang="pt-BR"/>
-            </a:p>
-          </p:txBody>
-        </p:sp>
-        <p:sp>
-          <p:nvSpPr>
-            <p:cNvPr id="88" name="Elipse 87">
-              <a:extLst>
-                <a:ext uri="{FF2B5EF4-FFF2-40B4-BE49-F238E27FC236}">
-                  <a16:creationId xmlns:a16="http://schemas.microsoft.com/office/drawing/2014/main" id="{9A032B45-857C-8AB4-298E-F1EAE93F285B}"/>
-                </a:ext>
-              </a:extLst>
-            </p:cNvPr>
-            <p:cNvSpPr/>
-            <p:nvPr/>
-          </p:nvSpPr>
-          <p:spPr>
-            <a:xfrm>
-              <a:off x="3032806" y="3787717"/>
-              <a:ext cx="45719" cy="46951"/>
-            </a:xfrm>
-            <a:prstGeom prst="ellipse">
-              <a:avLst/>
-            </a:prstGeom>
-            <a:solidFill>
-              <a:srgbClr val="FAEB2E"/>
-            </a:solidFill>
-            <a:ln>
-              <a:solidFill>
-                <a:srgbClr val="FAEB2E"/>
-              </a:solidFill>
-            </a:ln>
-          </p:spPr>
-          <p:style>
-            <a:lnRef idx="2">
-              <a:schemeClr val="accent1">
-                <a:shade val="50000"/>
-              </a:schemeClr>
-            </a:lnRef>
-            <a:fillRef idx="1">
-              <a:schemeClr val="accent1"/>
-            </a:fillRef>
-            <a:effectRef idx="0">
-              <a:schemeClr val="accent1"/>
-            </a:effectRef>
-            <a:fontRef idx="minor">
-              <a:schemeClr val="lt1"/>
-            </a:fontRef>
-          </p:style>
-          <p:txBody>
-            <a:bodyPr rtlCol="0" anchor="ctr"/>
-            <a:lstStyle/>
-            <a:p>
-              <a:pPr algn="r"/>
-              <a:endParaRPr lang="pt-BR"/>
-            </a:p>
-          </p:txBody>
-        </p:sp>
-        <p:sp>
-          <p:nvSpPr>
-            <p:cNvPr id="89" name="Retângulo: Cantos Arredondados 88">
-              <a:extLst>
-                <a:ext uri="{FF2B5EF4-FFF2-40B4-BE49-F238E27FC236}">
-                  <a16:creationId xmlns:a16="http://schemas.microsoft.com/office/drawing/2014/main" id="{28936116-3127-0C88-A3AD-779EB1E38054}"/>
-                </a:ext>
-              </a:extLst>
-            </p:cNvPr>
-            <p:cNvSpPr/>
-            <p:nvPr/>
-          </p:nvSpPr>
-          <p:spPr>
-            <a:xfrm>
-              <a:off x="3167063" y="2684666"/>
-              <a:ext cx="824219" cy="45719"/>
-            </a:xfrm>
-            <a:prstGeom prst="roundRect">
-              <a:avLst/>
-            </a:prstGeom>
-            <a:solidFill>
-              <a:srgbClr val="132323"/>
-            </a:solidFill>
-            <a:ln>
-              <a:solidFill>
-                <a:srgbClr val="132323"/>
-              </a:solidFill>
-            </a:ln>
-          </p:spPr>
-          <p:style>
-            <a:lnRef idx="2">
-              <a:schemeClr val="accent1">
-                <a:shade val="50000"/>
-              </a:schemeClr>
-            </a:lnRef>
-            <a:fillRef idx="1">
-              <a:schemeClr val="accent1"/>
-            </a:fillRef>
-            <a:effectRef idx="0">
-              <a:schemeClr val="accent1"/>
-            </a:effectRef>
-            <a:fontRef idx="minor">
-              <a:schemeClr val="lt1"/>
-            </a:fontRef>
-          </p:style>
-          <p:txBody>
-            <a:bodyPr rtlCol="0" anchor="ctr"/>
-            <a:lstStyle/>
-            <a:p>
-              <a:pPr algn="r"/>
-              <a:endParaRPr lang="pt-BR">
-                <a:solidFill>
-                  <a:srgbClr val="132323"/>
-                </a:solidFill>
-              </a:endParaRPr>
-            </a:p>
-          </p:txBody>
-        </p:sp>
-        <p:sp>
-          <p:nvSpPr>
-            <p:cNvPr id="90" name="Retângulo: Cantos Arredondados 89">
-              <a:extLst>
-                <a:ext uri="{FF2B5EF4-FFF2-40B4-BE49-F238E27FC236}">
-                  <a16:creationId xmlns:a16="http://schemas.microsoft.com/office/drawing/2014/main" id="{8D9C3230-288D-9E37-A882-99774548C757}"/>
-                </a:ext>
-              </a:extLst>
-            </p:cNvPr>
-            <p:cNvSpPr/>
-            <p:nvPr/>
-          </p:nvSpPr>
-          <p:spPr>
-            <a:xfrm>
-              <a:off x="3167062" y="3239499"/>
-              <a:ext cx="824219" cy="45719"/>
-            </a:xfrm>
-            <a:prstGeom prst="roundRect">
-              <a:avLst/>
-            </a:prstGeom>
-            <a:solidFill>
-              <a:srgbClr val="132323"/>
-            </a:solidFill>
-            <a:ln>
-              <a:solidFill>
-                <a:srgbClr val="132323"/>
-              </a:solidFill>
-            </a:ln>
-          </p:spPr>
-          <p:style>
-            <a:lnRef idx="2">
-              <a:schemeClr val="accent1">
-                <a:shade val="50000"/>
-              </a:schemeClr>
-            </a:lnRef>
-            <a:fillRef idx="1">
-              <a:schemeClr val="accent1"/>
-            </a:fillRef>
-            <a:effectRef idx="0">
-              <a:schemeClr val="accent1"/>
-            </a:effectRef>
-            <a:fontRef idx="minor">
-              <a:schemeClr val="lt1"/>
-            </a:fontRef>
-          </p:style>
-          <p:txBody>
-            <a:bodyPr rtlCol="0" anchor="ctr"/>
-            <a:lstStyle/>
-            <a:p>
-              <a:pPr algn="r"/>
-              <a:endParaRPr lang="pt-BR">
-                <a:solidFill>
-                  <a:srgbClr val="132323"/>
-                </a:solidFill>
-              </a:endParaRPr>
-            </a:p>
-          </p:txBody>
-        </p:sp>
-        <p:sp>
-          <p:nvSpPr>
-            <p:cNvPr id="91" name="Retângulo: Cantos Arredondados 90">
-              <a:extLst>
-                <a:ext uri="{FF2B5EF4-FFF2-40B4-BE49-F238E27FC236}">
-                  <a16:creationId xmlns:a16="http://schemas.microsoft.com/office/drawing/2014/main" id="{987A07D8-6A17-DEFB-0B49-4D907BC4DAAB}"/>
-                </a:ext>
-              </a:extLst>
-            </p:cNvPr>
-            <p:cNvSpPr/>
-            <p:nvPr/>
-          </p:nvSpPr>
-          <p:spPr>
-            <a:xfrm>
-              <a:off x="3167062" y="3786810"/>
-              <a:ext cx="824219" cy="45719"/>
-            </a:xfrm>
-            <a:prstGeom prst="roundRect">
-              <a:avLst/>
-            </a:prstGeom>
-            <a:solidFill>
-              <a:srgbClr val="132323"/>
-            </a:solidFill>
-            <a:ln>
-              <a:solidFill>
-                <a:srgbClr val="132323"/>
-              </a:solidFill>
-            </a:ln>
-          </p:spPr>
-          <p:style>
-            <a:lnRef idx="2">
-              <a:schemeClr val="accent1">
-                <a:shade val="50000"/>
-              </a:schemeClr>
-            </a:lnRef>
-            <a:fillRef idx="1">
-              <a:schemeClr val="accent1"/>
-            </a:fillRef>
-            <a:effectRef idx="0">
-              <a:schemeClr val="accent1"/>
-            </a:effectRef>
-            <a:fontRef idx="minor">
-              <a:schemeClr val="lt1"/>
-            </a:fontRef>
-          </p:style>
-          <p:txBody>
-            <a:bodyPr rtlCol="0" anchor="ctr"/>
-            <a:lstStyle/>
-            <a:p>
-              <a:pPr algn="r"/>
-              <a:endParaRPr lang="pt-BR">
-                <a:solidFill>
-                  <a:srgbClr val="132323"/>
-                </a:solidFill>
-              </a:endParaRPr>
-            </a:p>
-          </p:txBody>
-        </p:sp>
-      </p:grpSp>
-      <p:grpSp>
-        <p:nvGrpSpPr>
-          <p:cNvPr id="92" name="Agrupar 91">
-            <a:extLst>
-              <a:ext uri="{FF2B5EF4-FFF2-40B4-BE49-F238E27FC236}">
-                <a16:creationId xmlns:a16="http://schemas.microsoft.com/office/drawing/2014/main" id="{A369448D-EC74-AE1A-5C39-673A1570F856}"/>
-              </a:ext>
-            </a:extLst>
-          </p:cNvPr>
-          <p:cNvGrpSpPr/>
-          <p:nvPr/>
-        </p:nvGrpSpPr>
-        <p:grpSpPr>
-          <a:xfrm>
-            <a:off x="9968228" y="4738732"/>
-            <a:ext cx="1113338" cy="1350180"/>
-            <a:chOff x="2794248" y="2496877"/>
-            <a:chExt cx="1263430" cy="1532201"/>
-          </a:xfrm>
-        </p:grpSpPr>
-        <p:sp>
-          <p:nvSpPr>
-            <p:cNvPr id="93" name="Retângulo 92">
-              <a:extLst>
-                <a:ext uri="{FF2B5EF4-FFF2-40B4-BE49-F238E27FC236}">
-                  <a16:creationId xmlns:a16="http://schemas.microsoft.com/office/drawing/2014/main" id="{783E7E93-0B2C-572C-268B-4F1399D14969}"/>
-                </a:ext>
-              </a:extLst>
-            </p:cNvPr>
-            <p:cNvSpPr/>
-            <p:nvPr/>
-          </p:nvSpPr>
-          <p:spPr>
-            <a:xfrm>
-              <a:off x="2860645" y="2496878"/>
-              <a:ext cx="1130637" cy="1532200"/>
-            </a:xfrm>
-            <a:prstGeom prst="rect">
-              <a:avLst/>
-            </a:prstGeom>
-            <a:solidFill>
-              <a:srgbClr val="132323"/>
-            </a:solidFill>
-            <a:ln>
-              <a:solidFill>
-                <a:srgbClr val="172B2B"/>
-              </a:solidFill>
-            </a:ln>
-          </p:spPr>
-          <p:style>
-            <a:lnRef idx="2">
-              <a:schemeClr val="accent1">
-                <a:shade val="50000"/>
-              </a:schemeClr>
-            </a:lnRef>
-            <a:fillRef idx="1">
-              <a:schemeClr val="accent1"/>
-            </a:fillRef>
-            <a:effectRef idx="0">
-              <a:schemeClr val="accent1"/>
-            </a:effectRef>
-            <a:fontRef idx="minor">
-              <a:schemeClr val="lt1"/>
-            </a:fontRef>
-          </p:style>
-          <p:txBody>
-            <a:bodyPr rtlCol="0" anchor="ctr"/>
-            <a:lstStyle/>
-            <a:p>
-              <a:pPr algn="r"/>
-              <a:endParaRPr lang="pt-BR"/>
-            </a:p>
-          </p:txBody>
-        </p:sp>
-        <p:sp>
-          <p:nvSpPr>
-            <p:cNvPr id="94" name="Retângulo 93">
-              <a:extLst>
-                <a:ext uri="{FF2B5EF4-FFF2-40B4-BE49-F238E27FC236}">
-                  <a16:creationId xmlns:a16="http://schemas.microsoft.com/office/drawing/2014/main" id="{72574D76-B811-8EA8-6C27-02FA9FBD36D6}"/>
-                </a:ext>
-              </a:extLst>
-            </p:cNvPr>
-            <p:cNvSpPr/>
-            <p:nvPr/>
-          </p:nvSpPr>
-          <p:spPr>
-            <a:xfrm>
-              <a:off x="2794248" y="2496877"/>
-              <a:ext cx="1263430" cy="435769"/>
-            </a:xfrm>
-            <a:prstGeom prst="rect">
-              <a:avLst/>
-            </a:prstGeom>
-            <a:solidFill>
-              <a:srgbClr val="2C5352"/>
-            </a:solidFill>
-            <a:ln>
-              <a:solidFill>
-                <a:srgbClr val="2C5352"/>
-              </a:solidFill>
-            </a:ln>
-          </p:spPr>
-          <p:style>
-            <a:lnRef idx="2">
-              <a:schemeClr val="accent1">
-                <a:shade val="50000"/>
-              </a:schemeClr>
-            </a:lnRef>
-            <a:fillRef idx="1">
-              <a:schemeClr val="accent1"/>
-            </a:fillRef>
-            <a:effectRef idx="0">
-              <a:schemeClr val="accent1"/>
-            </a:effectRef>
-            <a:fontRef idx="minor">
-              <a:schemeClr val="lt1"/>
-            </a:fontRef>
-          </p:style>
-          <p:txBody>
-            <a:bodyPr rtlCol="0" anchor="ctr"/>
-            <a:lstStyle/>
-            <a:p>
-              <a:pPr algn="r"/>
-              <a:endParaRPr lang="pt-BR"/>
-            </a:p>
-          </p:txBody>
-        </p:sp>
-        <p:sp>
-          <p:nvSpPr>
-            <p:cNvPr id="95" name="Elipse 94">
-              <a:extLst>
-                <a:ext uri="{FF2B5EF4-FFF2-40B4-BE49-F238E27FC236}">
-                  <a16:creationId xmlns:a16="http://schemas.microsoft.com/office/drawing/2014/main" id="{573A7383-2C2A-A7D9-20E0-968EDBAE2237}"/>
-                </a:ext>
-              </a:extLst>
-            </p:cNvPr>
-            <p:cNvSpPr/>
-            <p:nvPr/>
-          </p:nvSpPr>
-          <p:spPr>
-            <a:xfrm>
-              <a:off x="2870482" y="2683435"/>
-              <a:ext cx="45719" cy="46951"/>
-            </a:xfrm>
-            <a:prstGeom prst="ellipse">
-              <a:avLst/>
-            </a:prstGeom>
-            <a:solidFill>
-              <a:srgbClr val="FF3737"/>
-            </a:solidFill>
-            <a:ln>
-              <a:solidFill>
-                <a:srgbClr val="FF3737"/>
-              </a:solidFill>
-            </a:ln>
-          </p:spPr>
-          <p:style>
-            <a:lnRef idx="2">
-              <a:schemeClr val="accent1">
-                <a:shade val="50000"/>
-              </a:schemeClr>
-            </a:lnRef>
-            <a:fillRef idx="1">
-              <a:schemeClr val="accent1"/>
-            </a:fillRef>
-            <a:effectRef idx="0">
-              <a:schemeClr val="accent1"/>
-            </a:effectRef>
-            <a:fontRef idx="minor">
-              <a:schemeClr val="lt1"/>
-            </a:fontRef>
-          </p:style>
-          <p:txBody>
-            <a:bodyPr rtlCol="0" anchor="ctr"/>
-            <a:lstStyle/>
-            <a:p>
-              <a:pPr algn="r"/>
-              <a:endParaRPr lang="pt-BR"/>
-            </a:p>
-          </p:txBody>
-        </p:sp>
-        <p:sp>
-          <p:nvSpPr>
-            <p:cNvPr id="96" name="Retângulo 95">
-              <a:extLst>
-                <a:ext uri="{FF2B5EF4-FFF2-40B4-BE49-F238E27FC236}">
-                  <a16:creationId xmlns:a16="http://schemas.microsoft.com/office/drawing/2014/main" id="{5B687024-8E96-48C0-106F-A267166F4006}"/>
-                </a:ext>
-              </a:extLst>
-            </p:cNvPr>
-            <p:cNvSpPr/>
-            <p:nvPr/>
-          </p:nvSpPr>
-          <p:spPr>
-            <a:xfrm>
-              <a:off x="2794248" y="3045093"/>
-              <a:ext cx="1263430" cy="435768"/>
-            </a:xfrm>
-            <a:prstGeom prst="rect">
-              <a:avLst/>
-            </a:prstGeom>
-            <a:solidFill>
-              <a:srgbClr val="2C5352"/>
-            </a:solidFill>
-            <a:ln>
-              <a:solidFill>
-                <a:srgbClr val="2C5352"/>
-              </a:solidFill>
-            </a:ln>
-          </p:spPr>
-          <p:style>
-            <a:lnRef idx="2">
-              <a:schemeClr val="accent1">
-                <a:shade val="50000"/>
-              </a:schemeClr>
-            </a:lnRef>
-            <a:fillRef idx="1">
-              <a:schemeClr val="accent1"/>
-            </a:fillRef>
-            <a:effectRef idx="0">
-              <a:schemeClr val="accent1"/>
-            </a:effectRef>
-            <a:fontRef idx="minor">
-              <a:schemeClr val="lt1"/>
-            </a:fontRef>
-          </p:style>
-          <p:txBody>
-            <a:bodyPr rtlCol="0" anchor="ctr"/>
-            <a:lstStyle/>
-            <a:p>
-              <a:pPr algn="r"/>
-              <a:endParaRPr lang="pt-BR"/>
-            </a:p>
-          </p:txBody>
-        </p:sp>
-        <p:sp>
-          <p:nvSpPr>
-            <p:cNvPr id="97" name="Retângulo 96">
-              <a:extLst>
-                <a:ext uri="{FF2B5EF4-FFF2-40B4-BE49-F238E27FC236}">
-                  <a16:creationId xmlns:a16="http://schemas.microsoft.com/office/drawing/2014/main" id="{7B0EFEAB-EB36-7750-AC1F-D0E7EC1DFD67}"/>
-                </a:ext>
-              </a:extLst>
-            </p:cNvPr>
-            <p:cNvSpPr/>
-            <p:nvPr/>
-          </p:nvSpPr>
-          <p:spPr>
-            <a:xfrm>
-              <a:off x="2794248" y="3593309"/>
-              <a:ext cx="1263430" cy="435769"/>
-            </a:xfrm>
-            <a:prstGeom prst="rect">
-              <a:avLst/>
-            </a:prstGeom>
-            <a:solidFill>
-              <a:srgbClr val="2C5352"/>
-            </a:solidFill>
-            <a:ln>
-              <a:solidFill>
-                <a:srgbClr val="2C5352"/>
-              </a:solidFill>
-            </a:ln>
-          </p:spPr>
-          <p:style>
-            <a:lnRef idx="2">
-              <a:schemeClr val="accent1">
-                <a:shade val="50000"/>
-              </a:schemeClr>
-            </a:lnRef>
-            <a:fillRef idx="1">
-              <a:schemeClr val="accent1"/>
-            </a:fillRef>
-            <a:effectRef idx="0">
-              <a:schemeClr val="accent1"/>
-            </a:effectRef>
-            <a:fontRef idx="minor">
-              <a:schemeClr val="lt1"/>
-            </a:fontRef>
-          </p:style>
-          <p:txBody>
-            <a:bodyPr rtlCol="0" anchor="ctr"/>
-            <a:lstStyle/>
-            <a:p>
-              <a:pPr algn="r"/>
-              <a:endParaRPr lang="pt-BR"/>
-            </a:p>
-          </p:txBody>
-        </p:sp>
-        <p:sp>
-          <p:nvSpPr>
-            <p:cNvPr id="98" name="Elipse 97">
-              <a:extLst>
-                <a:ext uri="{FF2B5EF4-FFF2-40B4-BE49-F238E27FC236}">
-                  <a16:creationId xmlns:a16="http://schemas.microsoft.com/office/drawing/2014/main" id="{DC813AA9-F573-7EF6-910F-5E617F69373E}"/>
-                </a:ext>
-              </a:extLst>
-            </p:cNvPr>
-            <p:cNvSpPr/>
-            <p:nvPr/>
-          </p:nvSpPr>
-          <p:spPr>
-            <a:xfrm>
-              <a:off x="2870481" y="3239501"/>
-              <a:ext cx="45719" cy="46951"/>
-            </a:xfrm>
-            <a:prstGeom prst="ellipse">
-              <a:avLst/>
-            </a:prstGeom>
-            <a:solidFill>
-              <a:srgbClr val="FF3737"/>
-            </a:solidFill>
-            <a:ln>
-              <a:solidFill>
-                <a:srgbClr val="FF3737"/>
-              </a:solidFill>
-            </a:ln>
-          </p:spPr>
-          <p:style>
-            <a:lnRef idx="2">
-              <a:schemeClr val="accent1">
-                <a:shade val="50000"/>
-              </a:schemeClr>
-            </a:lnRef>
-            <a:fillRef idx="1">
-              <a:schemeClr val="accent1"/>
-            </a:fillRef>
-            <a:effectRef idx="0">
-              <a:schemeClr val="accent1"/>
-            </a:effectRef>
-            <a:fontRef idx="minor">
-              <a:schemeClr val="lt1"/>
-            </a:fontRef>
-          </p:style>
-          <p:txBody>
-            <a:bodyPr rtlCol="0" anchor="ctr"/>
-            <a:lstStyle/>
-            <a:p>
-              <a:pPr algn="r"/>
-              <a:endParaRPr lang="pt-BR"/>
-            </a:p>
-          </p:txBody>
-        </p:sp>
-        <p:sp>
-          <p:nvSpPr>
-            <p:cNvPr id="99" name="Elipse 98">
-              <a:extLst>
-                <a:ext uri="{FF2B5EF4-FFF2-40B4-BE49-F238E27FC236}">
-                  <a16:creationId xmlns:a16="http://schemas.microsoft.com/office/drawing/2014/main" id="{9C0D8F79-60F5-1A8F-1403-CE443B6A6FED}"/>
-                </a:ext>
-              </a:extLst>
-            </p:cNvPr>
-            <p:cNvSpPr/>
-            <p:nvPr/>
-          </p:nvSpPr>
-          <p:spPr>
-            <a:xfrm>
-              <a:off x="2870481" y="3787717"/>
-              <a:ext cx="45719" cy="46951"/>
-            </a:xfrm>
-            <a:prstGeom prst="ellipse">
-              <a:avLst/>
-            </a:prstGeom>
-            <a:solidFill>
-              <a:srgbClr val="FF3737"/>
-            </a:solidFill>
-            <a:ln>
-              <a:solidFill>
-                <a:srgbClr val="FF3737"/>
-              </a:solidFill>
-            </a:ln>
-          </p:spPr>
-          <p:style>
-            <a:lnRef idx="2">
-              <a:schemeClr val="accent1">
-                <a:shade val="50000"/>
-              </a:schemeClr>
-            </a:lnRef>
-            <a:fillRef idx="1">
-              <a:schemeClr val="accent1"/>
-            </a:fillRef>
-            <a:effectRef idx="0">
-              <a:schemeClr val="accent1"/>
-            </a:effectRef>
-            <a:fontRef idx="minor">
-              <a:schemeClr val="lt1"/>
-            </a:fontRef>
-          </p:style>
-          <p:txBody>
-            <a:bodyPr rtlCol="0" anchor="ctr"/>
-            <a:lstStyle/>
-            <a:p>
-              <a:pPr algn="r"/>
-              <a:endParaRPr lang="pt-BR"/>
-            </a:p>
-          </p:txBody>
-        </p:sp>
-        <p:sp>
-          <p:nvSpPr>
-            <p:cNvPr id="100" name="Elipse 99">
-              <a:extLst>
-                <a:ext uri="{FF2B5EF4-FFF2-40B4-BE49-F238E27FC236}">
-                  <a16:creationId xmlns:a16="http://schemas.microsoft.com/office/drawing/2014/main" id="{ED4F6583-7707-1BA9-0A04-9A24F8BCE9F0}"/>
-                </a:ext>
-              </a:extLst>
-            </p:cNvPr>
-            <p:cNvSpPr/>
-            <p:nvPr/>
-          </p:nvSpPr>
-          <p:spPr>
-            <a:xfrm>
-              <a:off x="2951645" y="2683434"/>
-              <a:ext cx="45719" cy="46951"/>
-            </a:xfrm>
-            <a:prstGeom prst="ellipse">
-              <a:avLst/>
-            </a:prstGeom>
-            <a:solidFill>
-              <a:srgbClr val="37A65C"/>
-            </a:solidFill>
-            <a:ln>
-              <a:solidFill>
-                <a:srgbClr val="37A65C"/>
-              </a:solidFill>
-            </a:ln>
-          </p:spPr>
-          <p:style>
-            <a:lnRef idx="2">
-              <a:schemeClr val="accent1">
-                <a:shade val="50000"/>
-              </a:schemeClr>
-            </a:lnRef>
-            <a:fillRef idx="1">
-              <a:schemeClr val="accent1"/>
-            </a:fillRef>
-            <a:effectRef idx="0">
-              <a:schemeClr val="accent1"/>
-            </a:effectRef>
-            <a:fontRef idx="minor">
-              <a:schemeClr val="lt1"/>
-            </a:fontRef>
-          </p:style>
-          <p:txBody>
-            <a:bodyPr rtlCol="0" anchor="ctr"/>
-            <a:lstStyle/>
-            <a:p>
-              <a:pPr algn="r"/>
-              <a:endParaRPr lang="pt-BR"/>
-            </a:p>
-          </p:txBody>
-        </p:sp>
-        <p:sp>
-          <p:nvSpPr>
-            <p:cNvPr id="101" name="Elipse 100">
-              <a:extLst>
-                <a:ext uri="{FF2B5EF4-FFF2-40B4-BE49-F238E27FC236}">
-                  <a16:creationId xmlns:a16="http://schemas.microsoft.com/office/drawing/2014/main" id="{426F07DD-8AF3-0F83-2E11-37CB45BD1FE6}"/>
-                </a:ext>
-              </a:extLst>
-            </p:cNvPr>
-            <p:cNvSpPr/>
-            <p:nvPr/>
-          </p:nvSpPr>
-          <p:spPr>
-            <a:xfrm>
-              <a:off x="2951644" y="3239500"/>
-              <a:ext cx="45719" cy="46951"/>
-            </a:xfrm>
-            <a:prstGeom prst="ellipse">
-              <a:avLst/>
-            </a:prstGeom>
-            <a:solidFill>
-              <a:srgbClr val="37A65C"/>
-            </a:solidFill>
-            <a:ln>
-              <a:solidFill>
-                <a:srgbClr val="37A65C"/>
-              </a:solidFill>
-            </a:ln>
-          </p:spPr>
-          <p:style>
-            <a:lnRef idx="2">
-              <a:schemeClr val="accent1">
-                <a:shade val="50000"/>
-              </a:schemeClr>
-            </a:lnRef>
-            <a:fillRef idx="1">
-              <a:schemeClr val="accent1"/>
-            </a:fillRef>
-            <a:effectRef idx="0">
-              <a:schemeClr val="accent1"/>
-            </a:effectRef>
-            <a:fontRef idx="minor">
-              <a:schemeClr val="lt1"/>
-            </a:fontRef>
-          </p:style>
-          <p:txBody>
-            <a:bodyPr rtlCol="0" anchor="ctr"/>
-            <a:lstStyle/>
-            <a:p>
-              <a:pPr algn="r"/>
-              <a:endParaRPr lang="pt-BR"/>
-            </a:p>
-          </p:txBody>
-        </p:sp>
-        <p:sp>
-          <p:nvSpPr>
-            <p:cNvPr id="102" name="Elipse 101">
-              <a:extLst>
-                <a:ext uri="{FF2B5EF4-FFF2-40B4-BE49-F238E27FC236}">
-                  <a16:creationId xmlns:a16="http://schemas.microsoft.com/office/drawing/2014/main" id="{BAB940F8-8D3C-438B-7559-74D45271A868}"/>
-                </a:ext>
-              </a:extLst>
-            </p:cNvPr>
-            <p:cNvSpPr/>
-            <p:nvPr/>
-          </p:nvSpPr>
-          <p:spPr>
-            <a:xfrm>
-              <a:off x="2951644" y="3787717"/>
-              <a:ext cx="45719" cy="46951"/>
-            </a:xfrm>
-            <a:prstGeom prst="ellipse">
-              <a:avLst/>
-            </a:prstGeom>
-            <a:solidFill>
-              <a:srgbClr val="37A65C"/>
-            </a:solidFill>
-            <a:ln>
-              <a:solidFill>
-                <a:srgbClr val="37A65C"/>
-              </a:solidFill>
-            </a:ln>
-          </p:spPr>
-          <p:style>
-            <a:lnRef idx="2">
-              <a:schemeClr val="accent1">
-                <a:shade val="50000"/>
-              </a:schemeClr>
-            </a:lnRef>
-            <a:fillRef idx="1">
-              <a:schemeClr val="accent1"/>
-            </a:fillRef>
-            <a:effectRef idx="0">
-              <a:schemeClr val="accent1"/>
-            </a:effectRef>
-            <a:fontRef idx="minor">
-              <a:schemeClr val="lt1"/>
-            </a:fontRef>
-          </p:style>
-          <p:txBody>
-            <a:bodyPr rtlCol="0" anchor="ctr"/>
-            <a:lstStyle/>
-            <a:p>
-              <a:pPr algn="r"/>
-              <a:endParaRPr lang="pt-BR"/>
-            </a:p>
-          </p:txBody>
-        </p:sp>
-        <p:sp>
-          <p:nvSpPr>
-            <p:cNvPr id="103" name="Elipse 102">
-              <a:extLst>
-                <a:ext uri="{FF2B5EF4-FFF2-40B4-BE49-F238E27FC236}">
-                  <a16:creationId xmlns:a16="http://schemas.microsoft.com/office/drawing/2014/main" id="{40A1C332-F86D-66BC-F7D7-8187B0FCEFB4}"/>
-                </a:ext>
-              </a:extLst>
-            </p:cNvPr>
-            <p:cNvSpPr/>
-            <p:nvPr/>
-          </p:nvSpPr>
-          <p:spPr>
-            <a:xfrm>
-              <a:off x="3032808" y="2683434"/>
-              <a:ext cx="45719" cy="46951"/>
-            </a:xfrm>
-            <a:prstGeom prst="ellipse">
-              <a:avLst/>
-            </a:prstGeom>
-            <a:solidFill>
-              <a:srgbClr val="FAEB2E"/>
-            </a:solidFill>
-            <a:ln>
-              <a:solidFill>
-                <a:srgbClr val="FAEB2E"/>
-              </a:solidFill>
-            </a:ln>
-          </p:spPr>
-          <p:style>
-            <a:lnRef idx="2">
-              <a:schemeClr val="accent1">
-                <a:shade val="50000"/>
-              </a:schemeClr>
-            </a:lnRef>
-            <a:fillRef idx="1">
-              <a:schemeClr val="accent1"/>
-            </a:fillRef>
-            <a:effectRef idx="0">
-              <a:schemeClr val="accent1"/>
-            </a:effectRef>
-            <a:fontRef idx="minor">
-              <a:schemeClr val="lt1"/>
-            </a:fontRef>
-          </p:style>
-          <p:txBody>
-            <a:bodyPr rtlCol="0" anchor="ctr"/>
-            <a:lstStyle/>
-            <a:p>
-              <a:pPr algn="r"/>
-              <a:endParaRPr lang="pt-BR"/>
-            </a:p>
-          </p:txBody>
-        </p:sp>
-        <p:sp>
-          <p:nvSpPr>
-            <p:cNvPr id="104" name="Elipse 103">
-              <a:extLst>
-                <a:ext uri="{FF2B5EF4-FFF2-40B4-BE49-F238E27FC236}">
-                  <a16:creationId xmlns:a16="http://schemas.microsoft.com/office/drawing/2014/main" id="{EB7688E4-A750-738C-F302-C3D7C1713AF4}"/>
-                </a:ext>
-              </a:extLst>
-            </p:cNvPr>
-            <p:cNvSpPr/>
-            <p:nvPr/>
-          </p:nvSpPr>
-          <p:spPr>
-            <a:xfrm>
-              <a:off x="3032807" y="3239499"/>
-              <a:ext cx="45719" cy="46951"/>
-            </a:xfrm>
-            <a:prstGeom prst="ellipse">
-              <a:avLst/>
-            </a:prstGeom>
-            <a:solidFill>
-              <a:srgbClr val="FAEB2E"/>
-            </a:solidFill>
-            <a:ln>
-              <a:solidFill>
-                <a:srgbClr val="FAEB2E"/>
-              </a:solidFill>
-            </a:ln>
-          </p:spPr>
-          <p:style>
-            <a:lnRef idx="2">
-              <a:schemeClr val="accent1">
-                <a:shade val="50000"/>
-              </a:schemeClr>
-            </a:lnRef>
-            <a:fillRef idx="1">
-              <a:schemeClr val="accent1"/>
-            </a:fillRef>
-            <a:effectRef idx="0">
-              <a:schemeClr val="accent1"/>
-            </a:effectRef>
-            <a:fontRef idx="minor">
-              <a:schemeClr val="lt1"/>
-            </a:fontRef>
-          </p:style>
-          <p:txBody>
-            <a:bodyPr rtlCol="0" anchor="ctr"/>
-            <a:lstStyle/>
-            <a:p>
-              <a:pPr algn="r"/>
-              <a:endParaRPr lang="pt-BR"/>
-            </a:p>
-          </p:txBody>
-        </p:sp>
-        <p:sp>
-          <p:nvSpPr>
-            <p:cNvPr id="105" name="Elipse 104">
-              <a:extLst>
-                <a:ext uri="{FF2B5EF4-FFF2-40B4-BE49-F238E27FC236}">
-                  <a16:creationId xmlns:a16="http://schemas.microsoft.com/office/drawing/2014/main" id="{5D415499-A702-3A35-4782-A0C83FB82060}"/>
-                </a:ext>
-              </a:extLst>
-            </p:cNvPr>
-            <p:cNvSpPr/>
-            <p:nvPr/>
-          </p:nvSpPr>
-          <p:spPr>
-            <a:xfrm>
-              <a:off x="3032806" y="3787717"/>
-              <a:ext cx="45719" cy="46951"/>
-            </a:xfrm>
-            <a:prstGeom prst="ellipse">
-              <a:avLst/>
-            </a:prstGeom>
-            <a:solidFill>
-              <a:srgbClr val="FAEB2E"/>
-            </a:solidFill>
-            <a:ln>
-              <a:solidFill>
-                <a:srgbClr val="FAEB2E"/>
-              </a:solidFill>
-            </a:ln>
-          </p:spPr>
-          <p:style>
-            <a:lnRef idx="2">
-              <a:schemeClr val="accent1">
-                <a:shade val="50000"/>
-              </a:schemeClr>
-            </a:lnRef>
-            <a:fillRef idx="1">
-              <a:schemeClr val="accent1"/>
-            </a:fillRef>
-            <a:effectRef idx="0">
-              <a:schemeClr val="accent1"/>
-            </a:effectRef>
-            <a:fontRef idx="minor">
-              <a:schemeClr val="lt1"/>
-            </a:fontRef>
-          </p:style>
-          <p:txBody>
-            <a:bodyPr rtlCol="0" anchor="ctr"/>
-            <a:lstStyle/>
-            <a:p>
-              <a:pPr algn="r"/>
-              <a:endParaRPr lang="pt-BR"/>
-            </a:p>
-          </p:txBody>
-        </p:sp>
-        <p:sp>
-          <p:nvSpPr>
-            <p:cNvPr id="106" name="Retângulo: Cantos Arredondados 105">
-              <a:extLst>
-                <a:ext uri="{FF2B5EF4-FFF2-40B4-BE49-F238E27FC236}">
-                  <a16:creationId xmlns:a16="http://schemas.microsoft.com/office/drawing/2014/main" id="{913D8D67-166B-75D0-39FE-4153615B6DAE}"/>
-                </a:ext>
-              </a:extLst>
-            </p:cNvPr>
-            <p:cNvSpPr/>
-            <p:nvPr/>
-          </p:nvSpPr>
-          <p:spPr>
-            <a:xfrm>
-              <a:off x="3167063" y="2684666"/>
-              <a:ext cx="824219" cy="45719"/>
-            </a:xfrm>
-            <a:prstGeom prst="roundRect">
-              <a:avLst/>
-            </a:prstGeom>
-            <a:solidFill>
-              <a:srgbClr val="132323"/>
-            </a:solidFill>
-            <a:ln>
-              <a:solidFill>
-                <a:srgbClr val="132323"/>
-              </a:solidFill>
-            </a:ln>
-          </p:spPr>
-          <p:style>
-            <a:lnRef idx="2">
-              <a:schemeClr val="accent1">
-                <a:shade val="50000"/>
-              </a:schemeClr>
-            </a:lnRef>
-            <a:fillRef idx="1">
-              <a:schemeClr val="accent1"/>
-            </a:fillRef>
-            <a:effectRef idx="0">
-              <a:schemeClr val="accent1"/>
-            </a:effectRef>
-            <a:fontRef idx="minor">
-              <a:schemeClr val="lt1"/>
-            </a:fontRef>
-          </p:style>
-          <p:txBody>
-            <a:bodyPr rtlCol="0" anchor="ctr"/>
-            <a:lstStyle/>
-            <a:p>
-              <a:pPr algn="r"/>
-              <a:endParaRPr lang="pt-BR">
-                <a:solidFill>
-                  <a:srgbClr val="132323"/>
-                </a:solidFill>
-              </a:endParaRPr>
-            </a:p>
-          </p:txBody>
-        </p:sp>
-        <p:sp>
-          <p:nvSpPr>
-            <p:cNvPr id="107" name="Retângulo: Cantos Arredondados 106">
-              <a:extLst>
-                <a:ext uri="{FF2B5EF4-FFF2-40B4-BE49-F238E27FC236}">
-                  <a16:creationId xmlns:a16="http://schemas.microsoft.com/office/drawing/2014/main" id="{F9966815-3D9C-5666-05D6-176A220ACD2A}"/>
-                </a:ext>
-              </a:extLst>
-            </p:cNvPr>
-            <p:cNvSpPr/>
-            <p:nvPr/>
-          </p:nvSpPr>
-          <p:spPr>
-            <a:xfrm>
-              <a:off x="3167062" y="3239499"/>
-              <a:ext cx="824219" cy="45719"/>
-            </a:xfrm>
-            <a:prstGeom prst="roundRect">
-              <a:avLst/>
-            </a:prstGeom>
-            <a:solidFill>
-              <a:srgbClr val="132323"/>
-            </a:solidFill>
-            <a:ln>
-              <a:solidFill>
-                <a:srgbClr val="132323"/>
-              </a:solidFill>
-            </a:ln>
-          </p:spPr>
-          <p:style>
-            <a:lnRef idx="2">
-              <a:schemeClr val="accent1">
-                <a:shade val="50000"/>
-              </a:schemeClr>
-            </a:lnRef>
-            <a:fillRef idx="1">
-              <a:schemeClr val="accent1"/>
-            </a:fillRef>
-            <a:effectRef idx="0">
-              <a:schemeClr val="accent1"/>
-            </a:effectRef>
-            <a:fontRef idx="minor">
-              <a:schemeClr val="lt1"/>
-            </a:fontRef>
-          </p:style>
-          <p:txBody>
-            <a:bodyPr rtlCol="0" anchor="ctr"/>
-            <a:lstStyle/>
-            <a:p>
-              <a:pPr algn="r"/>
-              <a:endParaRPr lang="pt-BR">
-                <a:solidFill>
-                  <a:srgbClr val="132323"/>
-                </a:solidFill>
-              </a:endParaRPr>
-            </a:p>
-          </p:txBody>
-        </p:sp>
-        <p:sp>
-          <p:nvSpPr>
-            <p:cNvPr id="108" name="Retângulo: Cantos Arredondados 107">
-              <a:extLst>
-                <a:ext uri="{FF2B5EF4-FFF2-40B4-BE49-F238E27FC236}">
-                  <a16:creationId xmlns:a16="http://schemas.microsoft.com/office/drawing/2014/main" id="{784F9EBE-B344-CC36-14BE-8DF9F5BF66E6}"/>
-                </a:ext>
-              </a:extLst>
-            </p:cNvPr>
-            <p:cNvSpPr/>
-            <p:nvPr/>
-          </p:nvSpPr>
-          <p:spPr>
-            <a:xfrm>
-              <a:off x="3167062" y="3786810"/>
-              <a:ext cx="824219" cy="45719"/>
-            </a:xfrm>
-            <a:prstGeom prst="roundRect">
-              <a:avLst/>
-            </a:prstGeom>
-            <a:solidFill>
-              <a:srgbClr val="132323"/>
-            </a:solidFill>
-            <a:ln>
-              <a:solidFill>
-                <a:srgbClr val="132323"/>
-              </a:solidFill>
-            </a:ln>
-          </p:spPr>
-          <p:style>
-            <a:lnRef idx="2">
-              <a:schemeClr val="accent1">
-                <a:shade val="50000"/>
-              </a:schemeClr>
-            </a:lnRef>
-            <a:fillRef idx="1">
-              <a:schemeClr val="accent1"/>
-            </a:fillRef>
-            <a:effectRef idx="0">
-              <a:schemeClr val="accent1"/>
-            </a:effectRef>
-            <a:fontRef idx="minor">
-              <a:schemeClr val="lt1"/>
-            </a:fontRef>
-          </p:style>
-          <p:txBody>
-            <a:bodyPr rtlCol="0" anchor="ctr"/>
-            <a:lstStyle/>
-            <a:p>
-              <a:pPr algn="r"/>
-              <a:endParaRPr lang="pt-BR">
-                <a:solidFill>
-                  <a:srgbClr val="132323"/>
-                </a:solidFill>
-              </a:endParaRPr>
-            </a:p>
-          </p:txBody>
-        </p:sp>
-      </p:grpSp>
-      <p:sp>
-        <p:nvSpPr>
-          <p:cNvPr id="109" name="CaixaDeTexto 108">
-            <a:extLst>
-              <a:ext uri="{FF2B5EF4-FFF2-40B4-BE49-F238E27FC236}">
-                <a16:creationId xmlns:a16="http://schemas.microsoft.com/office/drawing/2014/main" id="{2C3D6CEA-F410-6472-0409-DC8BFB79952A}"/>
-              </a:ext>
-            </a:extLst>
-          </p:cNvPr>
-          <p:cNvSpPr txBox="1"/>
-          <p:nvPr/>
-        </p:nvSpPr>
-        <p:spPr>
-          <a:xfrm>
-            <a:off x="9309100" y="2340137"/>
-            <a:ext cx="2314575" cy="369332"/>
-          </a:xfrm>
-          <a:prstGeom prst="rect">
-            <a:avLst/>
-          </a:prstGeom>
-          <a:noFill/>
-        </p:spPr>
-        <p:txBody>
-          <a:bodyPr wrap="square" rtlCol="0">
-            <a:spAutoFit/>
-          </a:bodyPr>
-          <a:lstStyle/>
-          <a:p>
-            <a:pPr algn="ctr"/>
-            <a:r>
-              <a:rPr lang="en-US" dirty="0">
-                <a:latin typeface="Roboto" panose="02000000000000000000" pitchFamily="2" charset="0"/>
-                <a:ea typeface="Roboto" panose="02000000000000000000" pitchFamily="2" charset="0"/>
-              </a:rPr>
-              <a:t>Worker node 2</a:t>
-            </a:r>
-            <a:endParaRPr lang="pt-BR" dirty="0">
-              <a:latin typeface="Roboto" panose="02000000000000000000" pitchFamily="2" charset="0"/>
-              <a:ea typeface="Roboto" panose="02000000000000000000" pitchFamily="2" charset="0"/>
-            </a:endParaRPr>
-          </a:p>
-        </p:txBody>
-      </p:sp>
-      <p:sp>
-        <p:nvSpPr>
-          <p:cNvPr id="110" name="CaixaDeTexto 109">
-            <a:extLst>
-              <a:ext uri="{FF2B5EF4-FFF2-40B4-BE49-F238E27FC236}">
-                <a16:creationId xmlns:a16="http://schemas.microsoft.com/office/drawing/2014/main" id="{F8BEDAA7-9272-99BF-29EE-D60C151E985F}"/>
-              </a:ext>
-            </a:extLst>
-          </p:cNvPr>
-          <p:cNvSpPr txBox="1"/>
-          <p:nvPr/>
-        </p:nvSpPr>
-        <p:spPr>
-          <a:xfrm>
-            <a:off x="9309099" y="310874"/>
-            <a:ext cx="2314575" cy="369332"/>
-          </a:xfrm>
-          <a:prstGeom prst="rect">
-            <a:avLst/>
-          </a:prstGeom>
-          <a:noFill/>
-        </p:spPr>
-        <p:txBody>
-          <a:bodyPr wrap="square" rtlCol="0">
-            <a:spAutoFit/>
-          </a:bodyPr>
-          <a:lstStyle/>
-          <a:p>
-            <a:pPr algn="ctr"/>
-            <a:r>
-              <a:rPr lang="en-US" dirty="0">
-                <a:latin typeface="Roboto" panose="02000000000000000000" pitchFamily="2" charset="0"/>
-                <a:ea typeface="Roboto" panose="02000000000000000000" pitchFamily="2" charset="0"/>
-              </a:rPr>
-              <a:t>Worker node 1</a:t>
-            </a:r>
-            <a:endParaRPr lang="pt-BR" dirty="0">
-              <a:latin typeface="Roboto" panose="02000000000000000000" pitchFamily="2" charset="0"/>
-              <a:ea typeface="Roboto" panose="02000000000000000000" pitchFamily="2" charset="0"/>
-            </a:endParaRPr>
-          </a:p>
-        </p:txBody>
-      </p:sp>
-      <p:sp>
-        <p:nvSpPr>
-          <p:cNvPr id="111" name="CaixaDeTexto 110">
-            <a:extLst>
-              <a:ext uri="{FF2B5EF4-FFF2-40B4-BE49-F238E27FC236}">
-                <a16:creationId xmlns:a16="http://schemas.microsoft.com/office/drawing/2014/main" id="{E0E4242D-022B-D5B6-2793-D149D5E240F5}"/>
-              </a:ext>
-            </a:extLst>
-          </p:cNvPr>
-          <p:cNvSpPr txBox="1"/>
-          <p:nvPr/>
-        </p:nvSpPr>
-        <p:spPr>
-          <a:xfrm>
-            <a:off x="9309098" y="4319856"/>
-            <a:ext cx="2314575" cy="369332"/>
-          </a:xfrm>
-          <a:prstGeom prst="rect">
-            <a:avLst/>
-          </a:prstGeom>
-          <a:noFill/>
-        </p:spPr>
-        <p:txBody>
-          <a:bodyPr wrap="square" rtlCol="0">
-            <a:spAutoFit/>
-          </a:bodyPr>
-          <a:lstStyle/>
-          <a:p>
-            <a:pPr algn="ctr"/>
-            <a:r>
-              <a:rPr lang="en-US" dirty="0">
-                <a:latin typeface="Roboto" panose="02000000000000000000" pitchFamily="2" charset="0"/>
-                <a:ea typeface="Roboto" panose="02000000000000000000" pitchFamily="2" charset="0"/>
-              </a:rPr>
-              <a:t>Worker node 3</a:t>
-            </a:r>
-            <a:endParaRPr lang="pt-BR" dirty="0">
-              <a:latin typeface="Roboto" panose="02000000000000000000" pitchFamily="2" charset="0"/>
-              <a:ea typeface="Roboto" panose="02000000000000000000" pitchFamily="2" charset="0"/>
-            </a:endParaRPr>
-          </a:p>
-        </p:txBody>
-      </p:sp>
-      <p:sp>
-        <p:nvSpPr>
-          <p:cNvPr id="112" name="Retângulo 111">
-            <a:extLst>
-              <a:ext uri="{FF2B5EF4-FFF2-40B4-BE49-F238E27FC236}">
-                <a16:creationId xmlns:a16="http://schemas.microsoft.com/office/drawing/2014/main" id="{60A1D8C5-BCF3-5524-8699-84748F970AEA}"/>
-              </a:ext>
-            </a:extLst>
-          </p:cNvPr>
-          <p:cNvSpPr/>
-          <p:nvPr/>
-        </p:nvSpPr>
-        <p:spPr>
-          <a:xfrm>
-            <a:off x="5123758" y="2462038"/>
-            <a:ext cx="2037539" cy="1477954"/>
+            <a:off x="9429750" y="953560"/>
+            <a:ext cx="2019300" cy="1651352"/>
           </a:xfrm>
           <a:prstGeom prst="rect">
             <a:avLst/>
@@ -6415,7 +3349,7 @@
           <a:solidFill>
             <a:schemeClr val="bg1"/>
           </a:solidFill>
-          <a:ln w="57150">
+          <a:ln w="38100">
             <a:solidFill>
               <a:schemeClr val="bg2">
                 <a:lumMod val="10000"/>
@@ -6450,10 +3384,10 @@
       </p:sp>
       <p:sp>
         <p:nvSpPr>
-          <p:cNvPr id="113" name="CaixaDeTexto 112">
-            <a:extLst>
-              <a:ext uri="{FF2B5EF4-FFF2-40B4-BE49-F238E27FC236}">
-                <a16:creationId xmlns:a16="http://schemas.microsoft.com/office/drawing/2014/main" id="{D9DCAB6C-539D-2D13-DB8A-CCBC6F4C283C}"/>
+          <p:cNvPr id="110" name="CaixaDeTexto 109">
+            <a:extLst>
+              <a:ext uri="{FF2B5EF4-FFF2-40B4-BE49-F238E27FC236}">
+                <a16:creationId xmlns:a16="http://schemas.microsoft.com/office/drawing/2014/main" id="{F8BEDAA7-9272-99BF-29EE-D60C151E985F}"/>
               </a:ext>
             </a:extLst>
           </p:cNvPr>
@@ -6462,7 +3396,166 @@
         </p:nvSpPr>
         <p:spPr>
           <a:xfrm>
-            <a:off x="5191043" y="2517605"/>
+            <a:off x="9280523" y="953560"/>
+            <a:ext cx="2314575" cy="369332"/>
+          </a:xfrm>
+          <a:prstGeom prst="rect">
+            <a:avLst/>
+          </a:prstGeom>
+          <a:noFill/>
+        </p:spPr>
+        <p:txBody>
+          <a:bodyPr wrap="square" rtlCol="0">
+            <a:spAutoFit/>
+          </a:bodyPr>
+          <a:lstStyle/>
+          <a:p>
+            <a:pPr algn="ctr"/>
+            <a:r>
+              <a:rPr lang="en-US" dirty="0">
+                <a:latin typeface="Roboto" panose="02000000000000000000" pitchFamily="2" charset="0"/>
+                <a:ea typeface="Roboto" panose="02000000000000000000" pitchFamily="2" charset="0"/>
+              </a:rPr>
+              <a:t>Worker node 1</a:t>
+            </a:r>
+            <a:endParaRPr lang="pt-BR" dirty="0">
+              <a:latin typeface="Roboto" panose="02000000000000000000" pitchFamily="2" charset="0"/>
+              <a:ea typeface="Roboto" panose="02000000000000000000" pitchFamily="2" charset="0"/>
+            </a:endParaRPr>
+          </a:p>
+        </p:txBody>
+      </p:sp>
+      <p:sp>
+        <p:nvSpPr>
+          <p:cNvPr id="112" name="Retângulo 111">
+            <a:extLst>
+              <a:ext uri="{FF2B5EF4-FFF2-40B4-BE49-F238E27FC236}">
+                <a16:creationId xmlns:a16="http://schemas.microsoft.com/office/drawing/2014/main" id="{60A1D8C5-BCF3-5524-8699-84748F970AEA}"/>
+              </a:ext>
+            </a:extLst>
+          </p:cNvPr>
+          <p:cNvSpPr/>
+          <p:nvPr/>
+        </p:nvSpPr>
+        <p:spPr>
+          <a:xfrm>
+            <a:off x="301926" y="2109676"/>
+            <a:ext cx="2431750" cy="2298419"/>
+          </a:xfrm>
+          <a:prstGeom prst="rect">
+            <a:avLst/>
+          </a:prstGeom>
+          <a:solidFill>
+            <a:schemeClr val="bg1"/>
+          </a:solidFill>
+          <a:ln w="38100">
+            <a:solidFill>
+              <a:schemeClr val="bg2">
+                <a:lumMod val="10000"/>
+              </a:schemeClr>
+            </a:solidFill>
+          </a:ln>
+        </p:spPr>
+        <p:style>
+          <a:lnRef idx="2">
+            <a:schemeClr val="accent1">
+              <a:shade val="50000"/>
+            </a:schemeClr>
+          </a:lnRef>
+          <a:fillRef idx="1">
+            <a:schemeClr val="accent1"/>
+          </a:fillRef>
+          <a:effectRef idx="0">
+            <a:schemeClr val="accent1"/>
+          </a:effectRef>
+          <a:fontRef idx="minor">
+            <a:schemeClr val="lt1"/>
+          </a:fontRef>
+        </p:style>
+        <p:txBody>
+          <a:bodyPr rtlCol="0" anchor="ctr"/>
+          <a:lstStyle/>
+          <a:p>
+            <a:pPr algn="ctr"/>
+            <a:endParaRPr lang="pt-BR"/>
+          </a:p>
+        </p:txBody>
+      </p:sp>
+      <p:sp>
+        <p:nvSpPr>
+          <p:cNvPr id="2" name="Retângulo 1">
+            <a:extLst>
+              <a:ext uri="{FF2B5EF4-FFF2-40B4-BE49-F238E27FC236}">
+                <a16:creationId xmlns:a16="http://schemas.microsoft.com/office/drawing/2014/main" id="{DF011E9E-CA1E-7B66-7ABC-FBDF7E26E969}"/>
+              </a:ext>
+            </a:extLst>
+          </p:cNvPr>
+          <p:cNvSpPr/>
+          <p:nvPr/>
+        </p:nvSpPr>
+        <p:spPr>
+          <a:xfrm>
+            <a:off x="474453" y="2718992"/>
+            <a:ext cx="2087592" cy="1431279"/>
+          </a:xfrm>
+          <a:prstGeom prst="rect">
+            <a:avLst/>
+          </a:prstGeom>
+          <a:solidFill>
+            <a:schemeClr val="accent2">
+              <a:lumMod val="20000"/>
+              <a:lumOff val="80000"/>
+            </a:schemeClr>
+          </a:solidFill>
+          <a:ln>
+            <a:solidFill>
+              <a:schemeClr val="accent2">
+                <a:lumMod val="20000"/>
+                <a:lumOff val="80000"/>
+              </a:schemeClr>
+            </a:solidFill>
+          </a:ln>
+        </p:spPr>
+        <p:style>
+          <a:lnRef idx="2">
+            <a:schemeClr val="accent1">
+              <a:shade val="50000"/>
+            </a:schemeClr>
+          </a:lnRef>
+          <a:fillRef idx="1">
+            <a:schemeClr val="accent1"/>
+          </a:fillRef>
+          <a:effectRef idx="0">
+            <a:schemeClr val="accent1"/>
+          </a:effectRef>
+          <a:fontRef idx="minor">
+            <a:schemeClr val="lt1"/>
+          </a:fontRef>
+        </p:style>
+        <p:txBody>
+          <a:bodyPr rtlCol="0" anchor="ctr"/>
+          <a:lstStyle/>
+          <a:p>
+            <a:pPr algn="ctr"/>
+            <a:endParaRPr lang="pt-BR"/>
+          </a:p>
+        </p:txBody>
+      </p:sp>
+      <p:sp>
+        <p:nvSpPr>
+          <p:cNvPr id="113" name="CaixaDeTexto 112">
+            <a:extLst>
+              <a:ext uri="{FF2B5EF4-FFF2-40B4-BE49-F238E27FC236}">
+                <a16:creationId xmlns:a16="http://schemas.microsoft.com/office/drawing/2014/main" id="{D9DCAB6C-539D-2D13-DB8A-CCBC6F4C283C}"/>
+              </a:ext>
+            </a:extLst>
+          </p:cNvPr>
+          <p:cNvSpPr txBox="1"/>
+          <p:nvPr/>
+        </p:nvSpPr>
+        <p:spPr>
+          <a:xfrm>
+            <a:off x="557041" y="2718992"/>
             <a:ext cx="1913104" cy="369332"/>
           </a:xfrm>
           <a:prstGeom prst="rect">
@@ -6505,8 +3598,8 @@
         </p:nvSpPr>
         <p:spPr>
           <a:xfrm>
-            <a:off x="5207447" y="3028461"/>
-            <a:ext cx="1868125" cy="801843"/>
+            <a:off x="663732" y="3293052"/>
+            <a:ext cx="1726374" cy="652491"/>
           </a:xfrm>
           <a:prstGeom prst="rect">
             <a:avLst/>
@@ -6569,51 +3662,6 @@
       </p:sp>
       <p:cxnSp>
         <p:nvCxnSpPr>
-          <p:cNvPr id="119" name="Conector de Seta Reta 118">
-            <a:extLst>
-              <a:ext uri="{FF2B5EF4-FFF2-40B4-BE49-F238E27FC236}">
-                <a16:creationId xmlns:a16="http://schemas.microsoft.com/office/drawing/2014/main" id="{7DD4E207-4C7D-E2A0-2153-B6A26EEFACAA}"/>
-              </a:ext>
-            </a:extLst>
-          </p:cNvPr>
-          <p:cNvCxnSpPr/>
-          <p:nvPr/>
-        </p:nvCxnSpPr>
-        <p:spPr>
-          <a:xfrm>
-            <a:off x="2667000" y="3333750"/>
-            <a:ext cx="2181225" cy="0"/>
-          </a:xfrm>
-          <a:prstGeom prst="straightConnector1">
-            <a:avLst/>
-          </a:prstGeom>
-          <a:ln w="38100">
-            <a:solidFill>
-              <a:schemeClr val="bg2">
-                <a:lumMod val="10000"/>
-              </a:schemeClr>
-            </a:solidFill>
-            <a:headEnd type="none" w="med" len="med"/>
-            <a:tailEnd type="arrow" w="med" len="med"/>
-          </a:ln>
-        </p:spPr>
-        <p:style>
-          <a:lnRef idx="1">
-            <a:schemeClr val="accent1"/>
-          </a:lnRef>
-          <a:fillRef idx="0">
-            <a:schemeClr val="accent1"/>
-          </a:fillRef>
-          <a:effectRef idx="0">
-            <a:schemeClr val="accent1"/>
-          </a:effectRef>
-          <a:fontRef idx="minor">
-            <a:schemeClr val="tx1"/>
-          </a:fontRef>
-        </p:style>
-      </p:cxnSp>
-      <p:cxnSp>
-        <p:nvCxnSpPr>
           <p:cNvPr id="131" name="Conector de Seta Reta 130">
             <a:extLst>
               <a:ext uri="{FF2B5EF4-FFF2-40B4-BE49-F238E27FC236}">
@@ -6628,8 +3676,8 @@
         </p:nvCxnSpPr>
         <p:spPr>
           <a:xfrm flipV="1">
-            <a:off x="7382357" y="1214066"/>
-            <a:ext cx="2314093" cy="1247972"/>
+            <a:off x="6915150" y="1943100"/>
+            <a:ext cx="2357679" cy="1086711"/>
           </a:xfrm>
           <a:prstGeom prst="straightConnector1">
             <a:avLst/>
@@ -6659,12 +3707,693 @@
           </a:fontRef>
         </p:style>
       </p:cxnSp>
+      <p:sp>
+        <p:nvSpPr>
+          <p:cNvPr id="68" name="Retângulo 67">
+            <a:extLst>
+              <a:ext uri="{FF2B5EF4-FFF2-40B4-BE49-F238E27FC236}">
+                <a16:creationId xmlns:a16="http://schemas.microsoft.com/office/drawing/2014/main" id="{B01EC55D-89A9-0E98-B5C8-277BC8F84E6C}"/>
+              </a:ext>
+            </a:extLst>
+          </p:cNvPr>
+          <p:cNvSpPr/>
+          <p:nvPr/>
+        </p:nvSpPr>
+        <p:spPr>
+          <a:xfrm>
+            <a:off x="4614394" y="2789072"/>
+            <a:ext cx="2037539" cy="1109635"/>
+          </a:xfrm>
+          <a:prstGeom prst="rect">
+            <a:avLst/>
+          </a:prstGeom>
+          <a:solidFill>
+            <a:schemeClr val="bg1"/>
+          </a:solidFill>
+          <a:ln w="57150">
+            <a:solidFill>
+              <a:schemeClr val="bg2">
+                <a:lumMod val="10000"/>
+              </a:schemeClr>
+            </a:solidFill>
+          </a:ln>
+        </p:spPr>
+        <p:style>
+          <a:lnRef idx="2">
+            <a:schemeClr val="accent1">
+              <a:shade val="50000"/>
+            </a:schemeClr>
+          </a:lnRef>
+          <a:fillRef idx="1">
+            <a:schemeClr val="accent1"/>
+          </a:fillRef>
+          <a:effectRef idx="0">
+            <a:schemeClr val="accent1"/>
+          </a:effectRef>
+          <a:fontRef idx="minor">
+            <a:schemeClr val="lt1"/>
+          </a:fontRef>
+        </p:style>
+        <p:txBody>
+          <a:bodyPr rtlCol="0" anchor="ctr"/>
+          <a:lstStyle/>
+          <a:p>
+            <a:pPr algn="ctr"/>
+            <a:r>
+              <a:rPr lang="en-US" dirty="0">
+                <a:solidFill>
+                  <a:schemeClr val="tx1"/>
+                </a:solidFill>
+                <a:latin typeface="Roboto" panose="02000000000000000000" pitchFamily="2" charset="0"/>
+                <a:ea typeface="Roboto" panose="02000000000000000000" pitchFamily="2" charset="0"/>
+              </a:rPr>
+              <a:t>Cluster manager</a:t>
+            </a:r>
+            <a:endParaRPr lang="pt-BR" dirty="0">
+              <a:solidFill>
+                <a:schemeClr val="tx1"/>
+              </a:solidFill>
+              <a:latin typeface="Roboto" panose="02000000000000000000" pitchFamily="2" charset="0"/>
+              <a:ea typeface="Roboto" panose="02000000000000000000" pitchFamily="2" charset="0"/>
+            </a:endParaRPr>
+          </a:p>
+        </p:txBody>
+      </p:sp>
+      <p:sp>
+        <p:nvSpPr>
+          <p:cNvPr id="6" name="Retângulo 5">
+            <a:extLst>
+              <a:ext uri="{FF2B5EF4-FFF2-40B4-BE49-F238E27FC236}">
+                <a16:creationId xmlns:a16="http://schemas.microsoft.com/office/drawing/2014/main" id="{88AF627F-96D7-F7A4-586C-B206A87E18B6}"/>
+              </a:ext>
+            </a:extLst>
+          </p:cNvPr>
+          <p:cNvSpPr/>
+          <p:nvPr/>
+        </p:nvSpPr>
+        <p:spPr>
+          <a:xfrm>
+            <a:off x="9505950" y="1400972"/>
+            <a:ext cx="1866900" cy="1131152"/>
+          </a:xfrm>
+          <a:prstGeom prst="rect">
+            <a:avLst/>
+          </a:prstGeom>
+          <a:solidFill>
+            <a:schemeClr val="accent2">
+              <a:lumMod val="20000"/>
+              <a:lumOff val="80000"/>
+            </a:schemeClr>
+          </a:solidFill>
+          <a:ln>
+            <a:solidFill>
+              <a:schemeClr val="accent2">
+                <a:lumMod val="20000"/>
+                <a:lumOff val="80000"/>
+              </a:schemeClr>
+            </a:solidFill>
+          </a:ln>
+        </p:spPr>
+        <p:style>
+          <a:lnRef idx="2">
+            <a:schemeClr val="accent1">
+              <a:shade val="50000"/>
+            </a:schemeClr>
+          </a:lnRef>
+          <a:fillRef idx="1">
+            <a:schemeClr val="accent1"/>
+          </a:fillRef>
+          <a:effectRef idx="0">
+            <a:schemeClr val="accent1"/>
+          </a:effectRef>
+          <a:fontRef idx="minor">
+            <a:schemeClr val="lt1"/>
+          </a:fontRef>
+        </p:style>
+        <p:txBody>
+          <a:bodyPr rtlCol="0" anchor="ctr"/>
+          <a:lstStyle/>
+          <a:p>
+            <a:pPr algn="ctr"/>
+            <a:endParaRPr lang="pt-BR"/>
+          </a:p>
+        </p:txBody>
+      </p:sp>
+      <p:sp>
+        <p:nvSpPr>
+          <p:cNvPr id="72" name="CaixaDeTexto 71">
+            <a:extLst>
+              <a:ext uri="{FF2B5EF4-FFF2-40B4-BE49-F238E27FC236}">
+                <a16:creationId xmlns:a16="http://schemas.microsoft.com/office/drawing/2014/main" id="{8E25A254-06D0-F005-1079-4053617B71A1}"/>
+              </a:ext>
+            </a:extLst>
+          </p:cNvPr>
+          <p:cNvSpPr txBox="1"/>
+          <p:nvPr/>
+        </p:nvSpPr>
+        <p:spPr>
+          <a:xfrm>
+            <a:off x="9505950" y="1415585"/>
+            <a:ext cx="1092202" cy="338554"/>
+          </a:xfrm>
+          <a:prstGeom prst="rect">
+            <a:avLst/>
+          </a:prstGeom>
+          <a:noFill/>
+        </p:spPr>
+        <p:txBody>
+          <a:bodyPr wrap="square" rtlCol="0">
+            <a:spAutoFit/>
+          </a:bodyPr>
+          <a:lstStyle/>
+          <a:p>
+            <a:pPr algn="ctr"/>
+            <a:r>
+              <a:rPr lang="en-US" sz="1600" dirty="0">
+                <a:latin typeface="Roboto" panose="02000000000000000000" pitchFamily="2" charset="0"/>
+                <a:ea typeface="Roboto" panose="02000000000000000000" pitchFamily="2" charset="0"/>
+              </a:rPr>
+              <a:t>Executor</a:t>
+            </a:r>
+            <a:endParaRPr lang="pt-BR" sz="1600" dirty="0">
+              <a:latin typeface="Roboto" panose="02000000000000000000" pitchFamily="2" charset="0"/>
+              <a:ea typeface="Roboto" panose="02000000000000000000" pitchFamily="2" charset="0"/>
+            </a:endParaRPr>
+          </a:p>
+        </p:txBody>
+      </p:sp>
+      <p:sp>
+        <p:nvSpPr>
+          <p:cNvPr id="7" name="Retângulo 6">
+            <a:extLst>
+              <a:ext uri="{FF2B5EF4-FFF2-40B4-BE49-F238E27FC236}">
+                <a16:creationId xmlns:a16="http://schemas.microsoft.com/office/drawing/2014/main" id="{4237417F-4515-A14C-A8A0-3126B26A67AC}"/>
+              </a:ext>
+            </a:extLst>
+          </p:cNvPr>
+          <p:cNvSpPr/>
+          <p:nvPr/>
+        </p:nvSpPr>
+        <p:spPr>
+          <a:xfrm>
+            <a:off x="9610725" y="2109677"/>
+            <a:ext cx="781050" cy="338554"/>
+          </a:xfrm>
+          <a:prstGeom prst="rect">
+            <a:avLst/>
+          </a:prstGeom>
+          <a:solidFill>
+            <a:schemeClr val="accent3">
+              <a:lumMod val="60000"/>
+              <a:lumOff val="40000"/>
+            </a:schemeClr>
+          </a:solidFill>
+          <a:ln>
+            <a:solidFill>
+              <a:schemeClr val="accent3">
+                <a:lumMod val="60000"/>
+                <a:lumOff val="40000"/>
+              </a:schemeClr>
+            </a:solidFill>
+          </a:ln>
+        </p:spPr>
+        <p:style>
+          <a:lnRef idx="2">
+            <a:schemeClr val="accent1">
+              <a:shade val="50000"/>
+            </a:schemeClr>
+          </a:lnRef>
+          <a:fillRef idx="1">
+            <a:schemeClr val="accent1"/>
+          </a:fillRef>
+          <a:effectRef idx="0">
+            <a:schemeClr val="accent1"/>
+          </a:effectRef>
+          <a:fontRef idx="minor">
+            <a:schemeClr val="lt1"/>
+          </a:fontRef>
+        </p:style>
+        <p:txBody>
+          <a:bodyPr rtlCol="0" anchor="ctr"/>
+          <a:lstStyle/>
+          <a:p>
+            <a:pPr algn="ctr"/>
+            <a:r>
+              <a:rPr lang="en-US" sz="1600" dirty="0">
+                <a:solidFill>
+                  <a:schemeClr val="tx1"/>
+                </a:solidFill>
+                <a:latin typeface="Roboto" panose="02000000000000000000" pitchFamily="2" charset="0"/>
+                <a:ea typeface="Roboto" panose="02000000000000000000" pitchFamily="2" charset="0"/>
+              </a:rPr>
+              <a:t>Task</a:t>
+            </a:r>
+            <a:endParaRPr lang="pt-BR" sz="1600" dirty="0">
+              <a:solidFill>
+                <a:schemeClr val="tx1"/>
+              </a:solidFill>
+              <a:latin typeface="Roboto" panose="02000000000000000000" pitchFamily="2" charset="0"/>
+              <a:ea typeface="Roboto" panose="02000000000000000000" pitchFamily="2" charset="0"/>
+            </a:endParaRPr>
+          </a:p>
+        </p:txBody>
+      </p:sp>
+      <p:sp>
+        <p:nvSpPr>
+          <p:cNvPr id="74" name="Retângulo 73">
+            <a:extLst>
+              <a:ext uri="{FF2B5EF4-FFF2-40B4-BE49-F238E27FC236}">
+                <a16:creationId xmlns:a16="http://schemas.microsoft.com/office/drawing/2014/main" id="{4DC6CD1D-0ECA-F914-4090-0F406FA5652C}"/>
+              </a:ext>
+            </a:extLst>
+          </p:cNvPr>
+          <p:cNvSpPr/>
+          <p:nvPr/>
+        </p:nvSpPr>
+        <p:spPr>
+          <a:xfrm>
+            <a:off x="10504484" y="2109677"/>
+            <a:ext cx="781050" cy="338554"/>
+          </a:xfrm>
+          <a:prstGeom prst="rect">
+            <a:avLst/>
+          </a:prstGeom>
+          <a:solidFill>
+            <a:schemeClr val="accent3">
+              <a:lumMod val="60000"/>
+              <a:lumOff val="40000"/>
+            </a:schemeClr>
+          </a:solidFill>
+          <a:ln>
+            <a:solidFill>
+              <a:schemeClr val="accent3">
+                <a:lumMod val="60000"/>
+                <a:lumOff val="40000"/>
+              </a:schemeClr>
+            </a:solidFill>
+          </a:ln>
+        </p:spPr>
+        <p:style>
+          <a:lnRef idx="2">
+            <a:schemeClr val="accent1">
+              <a:shade val="50000"/>
+            </a:schemeClr>
+          </a:lnRef>
+          <a:fillRef idx="1">
+            <a:schemeClr val="accent1"/>
+          </a:fillRef>
+          <a:effectRef idx="0">
+            <a:schemeClr val="accent1"/>
+          </a:effectRef>
+          <a:fontRef idx="minor">
+            <a:schemeClr val="lt1"/>
+          </a:fontRef>
+        </p:style>
+        <p:txBody>
+          <a:bodyPr rtlCol="0" anchor="ctr"/>
+          <a:lstStyle/>
+          <a:p>
+            <a:pPr algn="ctr"/>
+            <a:r>
+              <a:rPr lang="en-US" sz="1600" dirty="0">
+                <a:solidFill>
+                  <a:schemeClr val="tx1"/>
+                </a:solidFill>
+                <a:latin typeface="Roboto" panose="02000000000000000000" pitchFamily="2" charset="0"/>
+                <a:ea typeface="Roboto" panose="02000000000000000000" pitchFamily="2" charset="0"/>
+              </a:rPr>
+              <a:t>Task</a:t>
+            </a:r>
+            <a:endParaRPr lang="pt-BR" sz="1600" dirty="0">
+              <a:solidFill>
+                <a:schemeClr val="tx1"/>
+              </a:solidFill>
+              <a:latin typeface="Roboto" panose="02000000000000000000" pitchFamily="2" charset="0"/>
+              <a:ea typeface="Roboto" panose="02000000000000000000" pitchFamily="2" charset="0"/>
+            </a:endParaRPr>
+          </a:p>
+        </p:txBody>
+      </p:sp>
+      <p:sp>
+        <p:nvSpPr>
+          <p:cNvPr id="114" name="Retângulo 113">
+            <a:extLst>
+              <a:ext uri="{FF2B5EF4-FFF2-40B4-BE49-F238E27FC236}">
+                <a16:creationId xmlns:a16="http://schemas.microsoft.com/office/drawing/2014/main" id="{EC7517D2-958D-881B-2CE7-06D3635F802A}"/>
+              </a:ext>
+            </a:extLst>
+          </p:cNvPr>
+          <p:cNvSpPr/>
+          <p:nvPr/>
+        </p:nvSpPr>
+        <p:spPr>
+          <a:xfrm>
+            <a:off x="9429750" y="4150271"/>
+            <a:ext cx="2019300" cy="1651352"/>
+          </a:xfrm>
+          <a:prstGeom prst="rect">
+            <a:avLst/>
+          </a:prstGeom>
+          <a:solidFill>
+            <a:schemeClr val="bg1"/>
+          </a:solidFill>
+          <a:ln w="38100">
+            <a:solidFill>
+              <a:schemeClr val="bg2">
+                <a:lumMod val="10000"/>
+              </a:schemeClr>
+            </a:solidFill>
+          </a:ln>
+        </p:spPr>
+        <p:style>
+          <a:lnRef idx="2">
+            <a:schemeClr val="accent1">
+              <a:shade val="50000"/>
+            </a:schemeClr>
+          </a:lnRef>
+          <a:fillRef idx="1">
+            <a:schemeClr val="accent1"/>
+          </a:fillRef>
+          <a:effectRef idx="0">
+            <a:schemeClr val="accent1"/>
+          </a:effectRef>
+          <a:fontRef idx="minor">
+            <a:schemeClr val="lt1"/>
+          </a:fontRef>
+        </p:style>
+        <p:txBody>
+          <a:bodyPr rtlCol="0" anchor="ctr"/>
+          <a:lstStyle/>
+          <a:p>
+            <a:pPr algn="ctr"/>
+            <a:endParaRPr lang="pt-BR"/>
+          </a:p>
+        </p:txBody>
+      </p:sp>
+      <p:sp>
+        <p:nvSpPr>
+          <p:cNvPr id="116" name="CaixaDeTexto 115">
+            <a:extLst>
+              <a:ext uri="{FF2B5EF4-FFF2-40B4-BE49-F238E27FC236}">
+                <a16:creationId xmlns:a16="http://schemas.microsoft.com/office/drawing/2014/main" id="{6C3B46F2-2FBF-6055-4CB1-D594DF45B8C4}"/>
+              </a:ext>
+            </a:extLst>
+          </p:cNvPr>
+          <p:cNvSpPr txBox="1"/>
+          <p:nvPr/>
+        </p:nvSpPr>
+        <p:spPr>
+          <a:xfrm>
+            <a:off x="9280523" y="4150271"/>
+            <a:ext cx="2314575" cy="369332"/>
+          </a:xfrm>
+          <a:prstGeom prst="rect">
+            <a:avLst/>
+          </a:prstGeom>
+          <a:noFill/>
+        </p:spPr>
+        <p:txBody>
+          <a:bodyPr wrap="square" rtlCol="0">
+            <a:spAutoFit/>
+          </a:bodyPr>
+          <a:lstStyle/>
+          <a:p>
+            <a:pPr algn="ctr"/>
+            <a:r>
+              <a:rPr lang="en-US" dirty="0">
+                <a:latin typeface="Roboto" panose="02000000000000000000" pitchFamily="2" charset="0"/>
+                <a:ea typeface="Roboto" panose="02000000000000000000" pitchFamily="2" charset="0"/>
+              </a:rPr>
+              <a:t>Worker node 2</a:t>
+            </a:r>
+            <a:endParaRPr lang="pt-BR" dirty="0">
+              <a:latin typeface="Roboto" panose="02000000000000000000" pitchFamily="2" charset="0"/>
+              <a:ea typeface="Roboto" panose="02000000000000000000" pitchFamily="2" charset="0"/>
+            </a:endParaRPr>
+          </a:p>
+        </p:txBody>
+      </p:sp>
+      <p:sp>
+        <p:nvSpPr>
+          <p:cNvPr id="117" name="Retângulo 116">
+            <a:extLst>
+              <a:ext uri="{FF2B5EF4-FFF2-40B4-BE49-F238E27FC236}">
+                <a16:creationId xmlns:a16="http://schemas.microsoft.com/office/drawing/2014/main" id="{4A225219-B3ED-9853-3CCB-EC682190A5F8}"/>
+              </a:ext>
+            </a:extLst>
+          </p:cNvPr>
+          <p:cNvSpPr/>
+          <p:nvPr/>
+        </p:nvSpPr>
+        <p:spPr>
+          <a:xfrm>
+            <a:off x="9505950" y="4597683"/>
+            <a:ext cx="1866900" cy="1131152"/>
+          </a:xfrm>
+          <a:prstGeom prst="rect">
+            <a:avLst/>
+          </a:prstGeom>
+          <a:solidFill>
+            <a:schemeClr val="accent2">
+              <a:lumMod val="20000"/>
+              <a:lumOff val="80000"/>
+            </a:schemeClr>
+          </a:solidFill>
+          <a:ln>
+            <a:solidFill>
+              <a:schemeClr val="accent2">
+                <a:lumMod val="20000"/>
+                <a:lumOff val="80000"/>
+              </a:schemeClr>
+            </a:solidFill>
+          </a:ln>
+        </p:spPr>
+        <p:style>
+          <a:lnRef idx="2">
+            <a:schemeClr val="accent1">
+              <a:shade val="50000"/>
+            </a:schemeClr>
+          </a:lnRef>
+          <a:fillRef idx="1">
+            <a:schemeClr val="accent1"/>
+          </a:fillRef>
+          <a:effectRef idx="0">
+            <a:schemeClr val="accent1"/>
+          </a:effectRef>
+          <a:fontRef idx="minor">
+            <a:schemeClr val="lt1"/>
+          </a:fontRef>
+        </p:style>
+        <p:txBody>
+          <a:bodyPr rtlCol="0" anchor="ctr"/>
+          <a:lstStyle/>
+          <a:p>
+            <a:pPr algn="ctr"/>
+            <a:endParaRPr lang="pt-BR"/>
+          </a:p>
+        </p:txBody>
+      </p:sp>
+      <p:sp>
+        <p:nvSpPr>
+          <p:cNvPr id="118" name="CaixaDeTexto 117">
+            <a:extLst>
+              <a:ext uri="{FF2B5EF4-FFF2-40B4-BE49-F238E27FC236}">
+                <a16:creationId xmlns:a16="http://schemas.microsoft.com/office/drawing/2014/main" id="{2129030C-74ED-1ABA-363B-CD2DBAA4864F}"/>
+              </a:ext>
+            </a:extLst>
+          </p:cNvPr>
+          <p:cNvSpPr txBox="1"/>
+          <p:nvPr/>
+        </p:nvSpPr>
+        <p:spPr>
+          <a:xfrm>
+            <a:off x="9505950" y="4612296"/>
+            <a:ext cx="1092202" cy="338554"/>
+          </a:xfrm>
+          <a:prstGeom prst="rect">
+            <a:avLst/>
+          </a:prstGeom>
+          <a:noFill/>
+        </p:spPr>
+        <p:txBody>
+          <a:bodyPr wrap="square" rtlCol="0">
+            <a:spAutoFit/>
+          </a:bodyPr>
+          <a:lstStyle/>
+          <a:p>
+            <a:pPr algn="ctr"/>
+            <a:r>
+              <a:rPr lang="en-US" sz="1600" dirty="0">
+                <a:latin typeface="Roboto" panose="02000000000000000000" pitchFamily="2" charset="0"/>
+                <a:ea typeface="Roboto" panose="02000000000000000000" pitchFamily="2" charset="0"/>
+              </a:rPr>
+              <a:t>Executor</a:t>
+            </a:r>
+            <a:endParaRPr lang="pt-BR" sz="1600" dirty="0">
+              <a:latin typeface="Roboto" panose="02000000000000000000" pitchFamily="2" charset="0"/>
+              <a:ea typeface="Roboto" panose="02000000000000000000" pitchFamily="2" charset="0"/>
+            </a:endParaRPr>
+          </a:p>
+        </p:txBody>
+      </p:sp>
+      <p:sp>
+        <p:nvSpPr>
+          <p:cNvPr id="120" name="Retângulo 119">
+            <a:extLst>
+              <a:ext uri="{FF2B5EF4-FFF2-40B4-BE49-F238E27FC236}">
+                <a16:creationId xmlns:a16="http://schemas.microsoft.com/office/drawing/2014/main" id="{B138E30C-2957-D49B-F627-0B53D0E7969E}"/>
+              </a:ext>
+            </a:extLst>
+          </p:cNvPr>
+          <p:cNvSpPr/>
+          <p:nvPr/>
+        </p:nvSpPr>
+        <p:spPr>
+          <a:xfrm>
+            <a:off x="9610725" y="5306388"/>
+            <a:ext cx="781050" cy="338554"/>
+          </a:xfrm>
+          <a:prstGeom prst="rect">
+            <a:avLst/>
+          </a:prstGeom>
+          <a:solidFill>
+            <a:schemeClr val="accent3">
+              <a:lumMod val="60000"/>
+              <a:lumOff val="40000"/>
+            </a:schemeClr>
+          </a:solidFill>
+          <a:ln>
+            <a:solidFill>
+              <a:schemeClr val="accent3">
+                <a:lumMod val="60000"/>
+                <a:lumOff val="40000"/>
+              </a:schemeClr>
+            </a:solidFill>
+          </a:ln>
+        </p:spPr>
+        <p:style>
+          <a:lnRef idx="2">
+            <a:schemeClr val="accent1">
+              <a:shade val="50000"/>
+            </a:schemeClr>
+          </a:lnRef>
+          <a:fillRef idx="1">
+            <a:schemeClr val="accent1"/>
+          </a:fillRef>
+          <a:effectRef idx="0">
+            <a:schemeClr val="accent1"/>
+          </a:effectRef>
+          <a:fontRef idx="minor">
+            <a:schemeClr val="lt1"/>
+          </a:fontRef>
+        </p:style>
+        <p:txBody>
+          <a:bodyPr rtlCol="0" anchor="ctr"/>
+          <a:lstStyle/>
+          <a:p>
+            <a:pPr algn="ctr"/>
+            <a:r>
+              <a:rPr lang="en-US" sz="1600" dirty="0">
+                <a:solidFill>
+                  <a:schemeClr val="tx1"/>
+                </a:solidFill>
+                <a:latin typeface="Roboto" panose="02000000000000000000" pitchFamily="2" charset="0"/>
+                <a:ea typeface="Roboto" panose="02000000000000000000" pitchFamily="2" charset="0"/>
+              </a:rPr>
+              <a:t>Task</a:t>
+            </a:r>
+            <a:endParaRPr lang="pt-BR" sz="1600" dirty="0">
+              <a:solidFill>
+                <a:schemeClr val="tx1"/>
+              </a:solidFill>
+              <a:latin typeface="Roboto" panose="02000000000000000000" pitchFamily="2" charset="0"/>
+              <a:ea typeface="Roboto" panose="02000000000000000000" pitchFamily="2" charset="0"/>
+            </a:endParaRPr>
+          </a:p>
+        </p:txBody>
+      </p:sp>
+      <p:sp>
+        <p:nvSpPr>
+          <p:cNvPr id="121" name="Retângulo 120">
+            <a:extLst>
+              <a:ext uri="{FF2B5EF4-FFF2-40B4-BE49-F238E27FC236}">
+                <a16:creationId xmlns:a16="http://schemas.microsoft.com/office/drawing/2014/main" id="{1AFC1F81-AD13-479E-CAFF-751CBD74A4D0}"/>
+              </a:ext>
+            </a:extLst>
+          </p:cNvPr>
+          <p:cNvSpPr/>
+          <p:nvPr/>
+        </p:nvSpPr>
+        <p:spPr>
+          <a:xfrm>
+            <a:off x="10504484" y="5306388"/>
+            <a:ext cx="781050" cy="338554"/>
+          </a:xfrm>
+          <a:prstGeom prst="rect">
+            <a:avLst/>
+          </a:prstGeom>
+          <a:solidFill>
+            <a:schemeClr val="accent3">
+              <a:lumMod val="60000"/>
+              <a:lumOff val="40000"/>
+            </a:schemeClr>
+          </a:solidFill>
+          <a:ln>
+            <a:solidFill>
+              <a:schemeClr val="accent3">
+                <a:lumMod val="60000"/>
+                <a:lumOff val="40000"/>
+              </a:schemeClr>
+            </a:solidFill>
+          </a:ln>
+        </p:spPr>
+        <p:style>
+          <a:lnRef idx="2">
+            <a:schemeClr val="accent1">
+              <a:shade val="50000"/>
+            </a:schemeClr>
+          </a:lnRef>
+          <a:fillRef idx="1">
+            <a:schemeClr val="accent1"/>
+          </a:fillRef>
+          <a:effectRef idx="0">
+            <a:schemeClr val="accent1"/>
+          </a:effectRef>
+          <a:fontRef idx="minor">
+            <a:schemeClr val="lt1"/>
+          </a:fontRef>
+        </p:style>
+        <p:txBody>
+          <a:bodyPr rtlCol="0" anchor="ctr"/>
+          <a:lstStyle/>
+          <a:p>
+            <a:pPr algn="ctr"/>
+            <a:r>
+              <a:rPr lang="en-US" sz="1600" dirty="0">
+                <a:solidFill>
+                  <a:schemeClr val="tx1"/>
+                </a:solidFill>
+                <a:latin typeface="Roboto" panose="02000000000000000000" pitchFamily="2" charset="0"/>
+                <a:ea typeface="Roboto" panose="02000000000000000000" pitchFamily="2" charset="0"/>
+              </a:rPr>
+              <a:t>Task</a:t>
+            </a:r>
+            <a:endParaRPr lang="pt-BR" sz="1600" dirty="0">
+              <a:solidFill>
+                <a:schemeClr val="tx1"/>
+              </a:solidFill>
+              <a:latin typeface="Roboto" panose="02000000000000000000" pitchFamily="2" charset="0"/>
+              <a:ea typeface="Roboto" panose="02000000000000000000" pitchFamily="2" charset="0"/>
+            </a:endParaRPr>
+          </a:p>
+        </p:txBody>
+      </p:sp>
       <p:cxnSp>
         <p:nvCxnSpPr>
-          <p:cNvPr id="134" name="Conector de Seta Reta 133">
-            <a:extLst>
-              <a:ext uri="{FF2B5EF4-FFF2-40B4-BE49-F238E27FC236}">
-                <a16:creationId xmlns:a16="http://schemas.microsoft.com/office/drawing/2014/main" id="{4ACFAC48-9062-F738-87A9-E7A1750008C6}"/>
+          <p:cNvPr id="128" name="Conector de Seta Reta 127">
+            <a:extLst>
+              <a:ext uri="{FF2B5EF4-FFF2-40B4-BE49-F238E27FC236}">
+                <a16:creationId xmlns:a16="http://schemas.microsoft.com/office/drawing/2014/main" id="{9A19D526-0DBC-89E1-2C74-C16DA8C617B0}"/>
               </a:ext>
             </a:extLst>
           </p:cNvPr>
@@ -6674,9 +4403,9 @@
           <p:nvPr/>
         </p:nvCxnSpPr>
         <p:spPr>
-          <a:xfrm flipV="1">
-            <a:off x="7306053" y="3247089"/>
-            <a:ext cx="2478003" cy="40284"/>
+          <a:xfrm>
+            <a:off x="3017241" y="3379200"/>
+            <a:ext cx="1400349" cy="0"/>
           </a:xfrm>
           <a:prstGeom prst="straightConnector1">
             <a:avLst/>
@@ -6706,12 +4435,164 @@
           </a:fontRef>
         </p:style>
       </p:cxnSp>
+      <p:sp>
+        <p:nvSpPr>
+          <p:cNvPr id="10" name="Retângulo 9">
+            <a:extLst>
+              <a:ext uri="{FF2B5EF4-FFF2-40B4-BE49-F238E27FC236}">
+                <a16:creationId xmlns:a16="http://schemas.microsoft.com/office/drawing/2014/main" id="{149DFDFA-8D54-1D48-23A8-994200244A33}"/>
+              </a:ext>
+            </a:extLst>
+          </p:cNvPr>
+          <p:cNvSpPr/>
+          <p:nvPr/>
+        </p:nvSpPr>
+        <p:spPr>
+          <a:xfrm>
+            <a:off x="10504484" y="4597683"/>
+            <a:ext cx="868366" cy="353167"/>
+          </a:xfrm>
+          <a:prstGeom prst="rect">
+            <a:avLst/>
+          </a:prstGeom>
+          <a:solidFill>
+            <a:schemeClr val="accent2">
+              <a:lumMod val="60000"/>
+              <a:lumOff val="40000"/>
+            </a:schemeClr>
+          </a:solidFill>
+          <a:ln>
+            <a:solidFill>
+              <a:schemeClr val="accent2">
+                <a:lumMod val="60000"/>
+                <a:lumOff val="40000"/>
+              </a:schemeClr>
+            </a:solidFill>
+          </a:ln>
+        </p:spPr>
+        <p:style>
+          <a:lnRef idx="2">
+            <a:schemeClr val="accent1">
+              <a:shade val="50000"/>
+            </a:schemeClr>
+          </a:lnRef>
+          <a:fillRef idx="1">
+            <a:schemeClr val="accent1"/>
+          </a:fillRef>
+          <a:effectRef idx="0">
+            <a:schemeClr val="accent1"/>
+          </a:effectRef>
+          <a:fontRef idx="minor">
+            <a:schemeClr val="lt1"/>
+          </a:fontRef>
+        </p:style>
+        <p:txBody>
+          <a:bodyPr rtlCol="0" anchor="ctr"/>
+          <a:lstStyle/>
+          <a:p>
+            <a:pPr algn="ctr"/>
+            <a:r>
+              <a:rPr lang="en-US" sz="1600" dirty="0">
+                <a:solidFill>
+                  <a:schemeClr val="tx1"/>
+                </a:solidFill>
+                <a:latin typeface="Roboto" panose="02000000000000000000" pitchFamily="2" charset="0"/>
+                <a:ea typeface="Roboto" panose="02000000000000000000" pitchFamily="2" charset="0"/>
+              </a:rPr>
+              <a:t>Cache</a:t>
+            </a:r>
+            <a:endParaRPr lang="pt-BR" sz="1600" dirty="0">
+              <a:solidFill>
+                <a:schemeClr val="tx1"/>
+              </a:solidFill>
+              <a:latin typeface="Roboto" panose="02000000000000000000" pitchFamily="2" charset="0"/>
+              <a:ea typeface="Roboto" panose="02000000000000000000" pitchFamily="2" charset="0"/>
+            </a:endParaRPr>
+          </a:p>
+        </p:txBody>
+      </p:sp>
+      <p:sp>
+        <p:nvSpPr>
+          <p:cNvPr id="129" name="Retângulo 128">
+            <a:extLst>
+              <a:ext uri="{FF2B5EF4-FFF2-40B4-BE49-F238E27FC236}">
+                <a16:creationId xmlns:a16="http://schemas.microsoft.com/office/drawing/2014/main" id="{4149B9B6-447E-6B4A-E496-79E54A4503AA}"/>
+              </a:ext>
+            </a:extLst>
+          </p:cNvPr>
+          <p:cNvSpPr/>
+          <p:nvPr/>
+        </p:nvSpPr>
+        <p:spPr>
+          <a:xfrm>
+            <a:off x="10504484" y="1400972"/>
+            <a:ext cx="868366" cy="353167"/>
+          </a:xfrm>
+          <a:prstGeom prst="rect">
+            <a:avLst/>
+          </a:prstGeom>
+          <a:solidFill>
+            <a:schemeClr val="accent2">
+              <a:lumMod val="60000"/>
+              <a:lumOff val="40000"/>
+            </a:schemeClr>
+          </a:solidFill>
+          <a:ln>
+            <a:solidFill>
+              <a:schemeClr val="accent2">
+                <a:lumMod val="60000"/>
+                <a:lumOff val="40000"/>
+              </a:schemeClr>
+            </a:solidFill>
+          </a:ln>
+        </p:spPr>
+        <p:style>
+          <a:lnRef idx="2">
+            <a:schemeClr val="accent1">
+              <a:shade val="50000"/>
+            </a:schemeClr>
+          </a:lnRef>
+          <a:fillRef idx="1">
+            <a:schemeClr val="accent1"/>
+          </a:fillRef>
+          <a:effectRef idx="0">
+            <a:schemeClr val="accent1"/>
+          </a:effectRef>
+          <a:fontRef idx="minor">
+            <a:schemeClr val="lt1"/>
+          </a:fontRef>
+        </p:style>
+        <p:txBody>
+          <a:bodyPr rtlCol="0" anchor="ctr"/>
+          <a:lstStyle/>
+          <a:p>
+            <a:pPr algn="ctr"/>
+            <a:r>
+              <a:rPr lang="en-US" sz="1600" dirty="0">
+                <a:solidFill>
+                  <a:schemeClr val="tx1"/>
+                </a:solidFill>
+                <a:latin typeface="Roboto" panose="02000000000000000000" pitchFamily="2" charset="0"/>
+                <a:ea typeface="Roboto" panose="02000000000000000000" pitchFamily="2" charset="0"/>
+              </a:rPr>
+              <a:t>Cache</a:t>
+            </a:r>
+            <a:endParaRPr lang="pt-BR" sz="1600" dirty="0">
+              <a:solidFill>
+                <a:schemeClr val="tx1"/>
+              </a:solidFill>
+              <a:latin typeface="Roboto" panose="02000000000000000000" pitchFamily="2" charset="0"/>
+              <a:ea typeface="Roboto" panose="02000000000000000000" pitchFamily="2" charset="0"/>
+            </a:endParaRPr>
+          </a:p>
+        </p:txBody>
+      </p:sp>
       <p:cxnSp>
         <p:nvCxnSpPr>
-          <p:cNvPr id="136" name="Conector de Seta Reta 135">
-            <a:extLst>
-              <a:ext uri="{FF2B5EF4-FFF2-40B4-BE49-F238E27FC236}">
-                <a16:creationId xmlns:a16="http://schemas.microsoft.com/office/drawing/2014/main" id="{2E172D8F-7B25-EF90-FAFF-9162317E9A49}"/>
+          <p:cNvPr id="132" name="Conector de Seta Reta 131">
+            <a:extLst>
+              <a:ext uri="{FF2B5EF4-FFF2-40B4-BE49-F238E27FC236}">
+                <a16:creationId xmlns:a16="http://schemas.microsoft.com/office/drawing/2014/main" id="{E92D7DE2-074C-C89B-05E1-BF3B68B8F5ED}"/>
               </a:ext>
             </a:extLst>
           </p:cNvPr>
@@ -6722,8 +4603,8 @@
         </p:nvCxnSpPr>
         <p:spPr>
           <a:xfrm>
-            <a:off x="7325207" y="3993390"/>
-            <a:ext cx="2434973" cy="1228432"/>
+            <a:off x="6915150" y="3670039"/>
+            <a:ext cx="2365373" cy="942257"/>
           </a:xfrm>
           <a:prstGeom prst="straightConnector1">
             <a:avLst/>
@@ -6753,6 +4634,284 @@
           </a:fontRef>
         </p:style>
       </p:cxnSp>
+      <p:sp>
+        <p:nvSpPr>
+          <p:cNvPr id="31" name="Forma Livre: Forma 30">
+            <a:extLst>
+              <a:ext uri="{FF2B5EF4-FFF2-40B4-BE49-F238E27FC236}">
+                <a16:creationId xmlns:a16="http://schemas.microsoft.com/office/drawing/2014/main" id="{A42E7F6C-E5AA-F925-7BC3-F264AF8E5A4C}"/>
+              </a:ext>
+            </a:extLst>
+          </p:cNvPr>
+          <p:cNvSpPr/>
+          <p:nvPr/>
+        </p:nvSpPr>
+        <p:spPr>
+          <a:xfrm>
+            <a:off x="3028950" y="1016924"/>
+            <a:ext cx="6105525" cy="1383376"/>
+          </a:xfrm>
+          <a:custGeom>
+            <a:avLst/>
+            <a:gdLst>
+              <a:gd name="connsiteX0" fmla="*/ 6105525 w 6105525"/>
+              <a:gd name="connsiteY0" fmla="*/ 411826 h 1383376"/>
+              <a:gd name="connsiteX1" fmla="*/ 2800350 w 6105525"/>
+              <a:gd name="connsiteY1" fmla="*/ 49876 h 1383376"/>
+              <a:gd name="connsiteX2" fmla="*/ 0 w 6105525"/>
+              <a:gd name="connsiteY2" fmla="*/ 1383376 h 1383376"/>
+            </a:gdLst>
+            <a:ahLst/>
+            <a:cxnLst>
+              <a:cxn ang="0">
+                <a:pos x="connsiteX0" y="connsiteY0"/>
+              </a:cxn>
+              <a:cxn ang="0">
+                <a:pos x="connsiteX1" y="connsiteY1"/>
+              </a:cxn>
+              <a:cxn ang="0">
+                <a:pos x="connsiteX2" y="connsiteY2"/>
+              </a:cxn>
+            </a:cxnLst>
+            <a:rect l="l" t="t" r="r" b="b"/>
+            <a:pathLst>
+              <a:path w="6105525" h="1383376">
+                <a:moveTo>
+                  <a:pt x="6105525" y="411826"/>
+                </a:moveTo>
+                <a:cubicBezTo>
+                  <a:pt x="4961731" y="149888"/>
+                  <a:pt x="3817937" y="-112049"/>
+                  <a:pt x="2800350" y="49876"/>
+                </a:cubicBezTo>
+                <a:cubicBezTo>
+                  <a:pt x="1782763" y="211801"/>
+                  <a:pt x="891381" y="797588"/>
+                  <a:pt x="0" y="1383376"/>
+                </a:cubicBezTo>
+              </a:path>
+            </a:pathLst>
+          </a:custGeom>
+          <a:noFill/>
+          <a:ln w="38100">
+            <a:solidFill>
+              <a:schemeClr val="bg2">
+                <a:lumMod val="10000"/>
+              </a:schemeClr>
+            </a:solidFill>
+            <a:headEnd type="none" w="med" len="med"/>
+            <a:tailEnd type="arrow" w="med" len="med"/>
+          </a:ln>
+        </p:spPr>
+        <p:style>
+          <a:lnRef idx="2">
+            <a:schemeClr val="accent1">
+              <a:shade val="50000"/>
+            </a:schemeClr>
+          </a:lnRef>
+          <a:fillRef idx="1">
+            <a:schemeClr val="accent1"/>
+          </a:fillRef>
+          <a:effectRef idx="0">
+            <a:schemeClr val="accent1"/>
+          </a:effectRef>
+          <a:fontRef idx="minor">
+            <a:schemeClr val="lt1"/>
+          </a:fontRef>
+        </p:style>
+        <p:txBody>
+          <a:bodyPr rtlCol="0" anchor="ctr"/>
+          <a:lstStyle/>
+          <a:p>
+            <a:pPr algn="ctr"/>
+            <a:endParaRPr lang="pt-BR"/>
+          </a:p>
+        </p:txBody>
+      </p:sp>
+      <p:sp>
+        <p:nvSpPr>
+          <p:cNvPr id="133" name="Forma Livre: Forma 132">
+            <a:extLst>
+              <a:ext uri="{FF2B5EF4-FFF2-40B4-BE49-F238E27FC236}">
+                <a16:creationId xmlns:a16="http://schemas.microsoft.com/office/drawing/2014/main" id="{3FD15AEE-8F65-914D-87CE-998746A2F72A}"/>
+              </a:ext>
+            </a:extLst>
+          </p:cNvPr>
+          <p:cNvSpPr/>
+          <p:nvPr/>
+        </p:nvSpPr>
+        <p:spPr>
+          <a:xfrm flipV="1">
+            <a:off x="3056137" y="4185919"/>
+            <a:ext cx="6105525" cy="1383376"/>
+          </a:xfrm>
+          <a:custGeom>
+            <a:avLst/>
+            <a:gdLst>
+              <a:gd name="connsiteX0" fmla="*/ 6105525 w 6105525"/>
+              <a:gd name="connsiteY0" fmla="*/ 411826 h 1383376"/>
+              <a:gd name="connsiteX1" fmla="*/ 2800350 w 6105525"/>
+              <a:gd name="connsiteY1" fmla="*/ 49876 h 1383376"/>
+              <a:gd name="connsiteX2" fmla="*/ 0 w 6105525"/>
+              <a:gd name="connsiteY2" fmla="*/ 1383376 h 1383376"/>
+            </a:gdLst>
+            <a:ahLst/>
+            <a:cxnLst>
+              <a:cxn ang="0">
+                <a:pos x="connsiteX0" y="connsiteY0"/>
+              </a:cxn>
+              <a:cxn ang="0">
+                <a:pos x="connsiteX1" y="connsiteY1"/>
+              </a:cxn>
+              <a:cxn ang="0">
+                <a:pos x="connsiteX2" y="connsiteY2"/>
+              </a:cxn>
+            </a:cxnLst>
+            <a:rect l="l" t="t" r="r" b="b"/>
+            <a:pathLst>
+              <a:path w="6105525" h="1383376">
+                <a:moveTo>
+                  <a:pt x="6105525" y="411826"/>
+                </a:moveTo>
+                <a:cubicBezTo>
+                  <a:pt x="4961731" y="149888"/>
+                  <a:pt x="3817937" y="-112049"/>
+                  <a:pt x="2800350" y="49876"/>
+                </a:cubicBezTo>
+                <a:cubicBezTo>
+                  <a:pt x="1782763" y="211801"/>
+                  <a:pt x="891381" y="797588"/>
+                  <a:pt x="0" y="1383376"/>
+                </a:cubicBezTo>
+              </a:path>
+            </a:pathLst>
+          </a:custGeom>
+          <a:noFill/>
+          <a:ln w="38100">
+            <a:solidFill>
+              <a:schemeClr val="bg2">
+                <a:lumMod val="10000"/>
+              </a:schemeClr>
+            </a:solidFill>
+            <a:headEnd type="none" w="med" len="med"/>
+            <a:tailEnd type="arrow" w="med" len="med"/>
+          </a:ln>
+        </p:spPr>
+        <p:style>
+          <a:lnRef idx="2">
+            <a:schemeClr val="accent1">
+              <a:shade val="50000"/>
+            </a:schemeClr>
+          </a:lnRef>
+          <a:fillRef idx="1">
+            <a:schemeClr val="accent1"/>
+          </a:fillRef>
+          <a:effectRef idx="0">
+            <a:schemeClr val="accent1"/>
+          </a:effectRef>
+          <a:fontRef idx="minor">
+            <a:schemeClr val="lt1"/>
+          </a:fontRef>
+        </p:style>
+        <p:txBody>
+          <a:bodyPr rtlCol="0" anchor="ctr"/>
+          <a:lstStyle/>
+          <a:p>
+            <a:pPr algn="ctr"/>
+            <a:endParaRPr lang="pt-BR"/>
+          </a:p>
+        </p:txBody>
+      </p:sp>
+      <p:cxnSp>
+        <p:nvCxnSpPr>
+          <p:cNvPr id="25" name="Conector de Seta Reta 24">
+            <a:extLst>
+              <a:ext uri="{FF2B5EF4-FFF2-40B4-BE49-F238E27FC236}">
+                <a16:creationId xmlns:a16="http://schemas.microsoft.com/office/drawing/2014/main" id="{63D28CD4-4FD6-0F81-888E-52CF227A7B55}"/>
+              </a:ext>
+            </a:extLst>
+          </p:cNvPr>
+          <p:cNvCxnSpPr>
+            <a:cxnSpLocks/>
+          </p:cNvCxnSpPr>
+          <p:nvPr/>
+        </p:nvCxnSpPr>
+        <p:spPr>
+          <a:xfrm>
+            <a:off x="10437810" y="2774793"/>
+            <a:ext cx="0" cy="1218797"/>
+          </a:xfrm>
+          <a:prstGeom prst="straightConnector1">
+            <a:avLst/>
+          </a:prstGeom>
+          <a:ln w="38100">
+            <a:solidFill>
+              <a:schemeClr val="bg2">
+                <a:lumMod val="10000"/>
+              </a:schemeClr>
+            </a:solidFill>
+            <a:headEnd type="arrow" w="med" len="med"/>
+            <a:tailEnd type="arrow" w="med" len="med"/>
+          </a:ln>
+        </p:spPr>
+        <p:style>
+          <a:lnRef idx="1">
+            <a:schemeClr val="accent1"/>
+          </a:lnRef>
+          <a:fillRef idx="0">
+            <a:schemeClr val="accent1"/>
+          </a:fillRef>
+          <a:effectRef idx="0">
+            <a:schemeClr val="accent1"/>
+          </a:effectRef>
+          <a:fontRef idx="minor">
+            <a:schemeClr val="tx1"/>
+          </a:fontRef>
+        </p:style>
+      </p:cxnSp>
+      <p:sp>
+        <p:nvSpPr>
+          <p:cNvPr id="26" name="CaixaDeTexto 25">
+            <a:extLst>
+              <a:ext uri="{FF2B5EF4-FFF2-40B4-BE49-F238E27FC236}">
+                <a16:creationId xmlns:a16="http://schemas.microsoft.com/office/drawing/2014/main" id="{22A6EA16-D4C2-D042-8F91-E0ECB233EE7F}"/>
+              </a:ext>
+            </a:extLst>
+          </p:cNvPr>
+          <p:cNvSpPr txBox="1"/>
+          <p:nvPr/>
+        </p:nvSpPr>
+        <p:spPr>
+          <a:xfrm>
+            <a:off x="550955" y="2124492"/>
+            <a:ext cx="1913104" cy="369332"/>
+          </a:xfrm>
+          <a:prstGeom prst="rect">
+            <a:avLst/>
+          </a:prstGeom>
+          <a:noFill/>
+        </p:spPr>
+        <p:txBody>
+          <a:bodyPr wrap="square" rtlCol="0">
+            <a:spAutoFit/>
+          </a:bodyPr>
+          <a:lstStyle/>
+          <a:p>
+            <a:pPr algn="ctr"/>
+            <a:r>
+              <a:rPr lang="en-US" dirty="0">
+                <a:latin typeface="Roboto" panose="02000000000000000000" pitchFamily="2" charset="0"/>
+                <a:ea typeface="Roboto" panose="02000000000000000000" pitchFamily="2" charset="0"/>
+              </a:rPr>
+              <a:t>Driver node</a:t>
+            </a:r>
+            <a:endParaRPr lang="pt-BR" dirty="0">
+              <a:latin typeface="Roboto" panose="02000000000000000000" pitchFamily="2" charset="0"/>
+              <a:ea typeface="Roboto" panose="02000000000000000000" pitchFamily="2" charset="0"/>
+            </a:endParaRPr>
+          </a:p>
+        </p:txBody>
+      </p:sp>
     </p:spTree>
     <p:extLst>
       <p:ext uri="{BB962C8B-B14F-4D97-AF65-F5344CB8AC3E}">
